--- a/murach_html_4e/slides/Chapter 3 slides.pptx
+++ b/murach_html_4e/slides/Chapter 3 slides.pptx
@@ -5,10 +5,10 @@
     <p:sldMasterId id="2147483673" r:id="rId1"/>
   </p:sldMasterIdLst>
   <p:notesMasterIdLst>
-    <p:notesMasterId r:id="rId42"/>
+    <p:notesMasterId r:id="rId44"/>
   </p:notesMasterIdLst>
   <p:handoutMasterIdLst>
-    <p:handoutMasterId r:id="rId43"/>
+    <p:handoutMasterId r:id="rId45"/>
   </p:handoutMasterIdLst>
   <p:sldIdLst>
     <p:sldId id="256" r:id="rId2"/>
@@ -51,6 +51,8 @@
     <p:sldId id="293" r:id="rId39"/>
     <p:sldId id="294" r:id="rId40"/>
     <p:sldId id="295" r:id="rId41"/>
+    <p:sldId id="297" r:id="rId42"/>
+    <p:sldId id="298" r:id="rId43"/>
   </p:sldIdLst>
   <p:sldSz cx="9144000" cy="6858000" type="screen4x3"/>
   <p:notesSz cx="7010400" cy="9296400"/>
@@ -369,7 +371,7 @@
               <a:pPr>
                 <a:defRPr/>
               </a:pPr>
-              <a:t>3/2/2018</a:t>
+              <a:t>6/5/2019</a:t>
             </a:fld>
             <a:endParaRPr lang="en-US"/>
           </a:p>
@@ -1045,7 +1047,7 @@
               <a:defRPr/>
             </a:pPr>
             <a:r>
-              <a:rPr lang="en-US" smtClean="0"/>
+              <a:rPr lang="en-US"/>
               <a:t>Murach's HTML and CSS, 4th Edition</a:t>
             </a:r>
             <a:endParaRPr lang="en-US" dirty="0"/>
@@ -1078,14 +1080,14 @@
             <a:pPr>
               <a:defRPr/>
             </a:pPr>
-            <a:endParaRPr lang="en-US" smtClean="0"/>
-          </a:p>
-          <a:p>
-            <a:pPr>
-              <a:defRPr/>
-            </a:pPr>
-            <a:r>
-              <a:rPr lang="en-US" smtClean="0">
+            <a:endParaRPr lang="en-US"/>
+          </a:p>
+          <a:p>
+            <a:pPr>
+              <a:defRPr/>
+            </a:pPr>
+            <a:r>
+              <a:rPr lang="en-US">
                 <a:solidFill>
                   <a:schemeClr val="bg1"/>
                 </a:solidFill>
@@ -1169,10 +1171,10 @@
           <a:p>
             <a:pPr lvl="0"/>
             <a:r>
-              <a:rPr lang="en-US" smtClean="0"/>
+              <a:rPr lang="en-US"/>
               <a:t>Click to edit Master title style</a:t>
             </a:r>
-            <a:endParaRPr lang="en-US" dirty="0" smtClean="0"/>
+            <a:endParaRPr lang="en-US" dirty="0"/>
           </a:p>
         </p:txBody>
       </p:sp>
@@ -1219,7 +1221,7 @@
           <a:p>
             <a:pPr lvl="0"/>
             <a:r>
-              <a:rPr lang="en-US" smtClean="0"/>
+              <a:rPr lang="en-US"/>
               <a:t>Click to edit Master text styles</a:t>
             </a:r>
           </a:p>
@@ -1250,7 +1252,7 @@
               <a:defRPr/>
             </a:pPr>
             <a:r>
-              <a:rPr lang="en-US" smtClean="0"/>
+              <a:rPr lang="en-US"/>
               <a:t>© 2018, Mike Murach &amp; Associates, Inc.</a:t>
             </a:r>
             <a:endParaRPr lang="en-US" dirty="0"/>
@@ -1289,10 +1291,9 @@
           <a:p>
             <a:pPr lvl="0"/>
             <a:r>
-              <a:rPr lang="en-US" dirty="0" smtClean="0"/>
+              <a:rPr lang="en-US" dirty="0"/>
               <a:t>Click to edit Master heading style</a:t>
             </a:r>
-            <a:endParaRPr lang="en-US" dirty="0"/>
           </a:p>
         </p:txBody>
       </p:sp>
@@ -1323,7 +1324,7 @@
           <a:p>
             <a:pPr lvl="0"/>
             <a:r>
-              <a:rPr lang="en-US" smtClean="0"/>
+              <a:rPr lang="en-US"/>
               <a:t>Click to edit Master text styles</a:t>
             </a:r>
           </a:p>
@@ -1385,7 +1386,7 @@
               <a:defRPr/>
             </a:pPr>
             <a:r>
-              <a:rPr lang="en-US" smtClean="0"/>
+              <a:rPr lang="en-US"/>
               <a:t>Murach's HTML and CSS, 4th Edition</a:t>
             </a:r>
             <a:endParaRPr lang="en-US" dirty="0"/>
@@ -1418,14 +1419,14 @@
             <a:pPr>
               <a:defRPr/>
             </a:pPr>
-            <a:endParaRPr lang="en-US" smtClean="0"/>
-          </a:p>
-          <a:p>
-            <a:pPr>
-              <a:defRPr/>
-            </a:pPr>
-            <a:r>
-              <a:rPr lang="en-US" smtClean="0">
+            <a:endParaRPr lang="en-US"/>
+          </a:p>
+          <a:p>
+            <a:pPr>
+              <a:defRPr/>
+            </a:pPr>
+            <a:r>
+              <a:rPr lang="en-US">
                 <a:solidFill>
                   <a:schemeClr val="bg1"/>
                 </a:solidFill>
@@ -1509,10 +1510,10 @@
           <a:p>
             <a:pPr lvl="0"/>
             <a:r>
-              <a:rPr lang="en-US" smtClean="0"/>
+              <a:rPr lang="en-US"/>
               <a:t>Click to edit Master title style</a:t>
             </a:r>
-            <a:endParaRPr lang="en-US" dirty="0" smtClean="0"/>
+            <a:endParaRPr lang="en-US" dirty="0"/>
           </a:p>
         </p:txBody>
       </p:sp>
@@ -1543,7 +1544,7 @@
           <a:p>
             <a:pPr lvl="0"/>
             <a:r>
-              <a:rPr lang="en-US" smtClean="0"/>
+              <a:rPr lang="en-US"/>
               <a:t>Click to edit Master text styles</a:t>
             </a:r>
           </a:p>
@@ -1574,7 +1575,7 @@
               <a:defRPr/>
             </a:pPr>
             <a:r>
-              <a:rPr lang="en-US" smtClean="0"/>
+              <a:rPr lang="en-US"/>
               <a:t>© 2018, Mike Murach &amp; Associates, Inc.</a:t>
             </a:r>
             <a:endParaRPr lang="en-US" dirty="0"/>
@@ -1613,10 +1614,9 @@
           <a:p>
             <a:pPr lvl="0"/>
             <a:r>
-              <a:rPr lang="en-US" dirty="0" smtClean="0"/>
+              <a:rPr lang="en-US" dirty="0"/>
               <a:t>Click to edit Master heading style</a:t>
             </a:r>
-            <a:endParaRPr lang="en-US" dirty="0"/>
           </a:p>
         </p:txBody>
       </p:sp>
@@ -1647,7 +1647,7 @@
           <a:p>
             <a:pPr lvl="0"/>
             <a:r>
-              <a:rPr lang="en-US" smtClean="0"/>
+              <a:rPr lang="en-US"/>
               <a:t>Click to edit Master text styles</a:t>
             </a:r>
           </a:p>
@@ -1709,7 +1709,7 @@
               <a:defRPr/>
             </a:pPr>
             <a:r>
-              <a:rPr lang="en-US" smtClean="0"/>
+              <a:rPr lang="en-US"/>
               <a:t>Murach's HTML and CSS, 4th Edition</a:t>
             </a:r>
             <a:endParaRPr lang="en-US" dirty="0"/>
@@ -1742,14 +1742,14 @@
             <a:pPr>
               <a:defRPr/>
             </a:pPr>
-            <a:endParaRPr lang="en-US" smtClean="0"/>
-          </a:p>
-          <a:p>
-            <a:pPr>
-              <a:defRPr/>
-            </a:pPr>
-            <a:r>
-              <a:rPr lang="en-US" smtClean="0">
+            <a:endParaRPr lang="en-US"/>
+          </a:p>
+          <a:p>
+            <a:pPr>
+              <a:defRPr/>
+            </a:pPr>
+            <a:r>
+              <a:rPr lang="en-US">
                 <a:solidFill>
                   <a:schemeClr val="bg1"/>
                 </a:solidFill>
@@ -1833,10 +1833,10 @@
           <a:p>
             <a:pPr lvl="0"/>
             <a:r>
-              <a:rPr lang="en-US" smtClean="0"/>
+              <a:rPr lang="en-US"/>
               <a:t>Click to edit Master title style</a:t>
             </a:r>
-            <a:endParaRPr lang="en-US" dirty="0" smtClean="0"/>
+            <a:endParaRPr lang="en-US" dirty="0"/>
           </a:p>
         </p:txBody>
       </p:sp>
@@ -1867,7 +1867,7 @@
           <a:p>
             <a:pPr lvl="0"/>
             <a:r>
-              <a:rPr lang="en-US" smtClean="0"/>
+              <a:rPr lang="en-US"/>
               <a:t>Click to edit Master text styles</a:t>
             </a:r>
           </a:p>
@@ -1898,7 +1898,7 @@
               <a:defRPr/>
             </a:pPr>
             <a:r>
-              <a:rPr lang="en-US" smtClean="0"/>
+              <a:rPr lang="en-US"/>
               <a:t>© 2018, Mike Murach &amp; Associates, Inc.</a:t>
             </a:r>
             <a:endParaRPr lang="en-US" dirty="0"/>
@@ -1937,11 +1937,11 @@
           <a:p>
             <a:pPr lvl="0"/>
             <a:r>
-              <a:rPr lang="en-US" dirty="0" smtClean="0"/>
+              <a:rPr lang="en-US" dirty="0"/>
               <a:t>Click to edit </a:t>
             </a:r>
             <a:r>
-              <a:rPr lang="en-US" smtClean="0"/>
+              <a:rPr lang="en-US"/>
               <a:t>Master heading style</a:t>
             </a:r>
             <a:endParaRPr lang="en-US" dirty="0"/>
@@ -1975,7 +1975,7 @@
           <a:p>
             <a:pPr lvl="0"/>
             <a:r>
-              <a:rPr lang="en-US" smtClean="0"/>
+              <a:rPr lang="en-US"/>
               <a:t>Click to edit Master text styles</a:t>
             </a:r>
           </a:p>
@@ -2050,7 +2050,7 @@
           <p:cNvPr id="6" name="Title 5">
             <a:extLst>
               <a:ext uri="{FF2B5EF4-FFF2-40B4-BE49-F238E27FC236}">
-                <a16:creationId xmlns:a16="http://schemas.microsoft.com/office/drawing/2014/main" xmlns="" id="{EC3A72EA-95A4-4971-A611-08118360D51D}"/>
+                <a16:creationId xmlns:a16="http://schemas.microsoft.com/office/drawing/2014/main" id="{EC3A72EA-95A4-4971-A611-08118360D51D}"/>
               </a:ext>
             </a:extLst>
           </p:cNvPr>
@@ -2078,7 +2078,7 @@
           <p:cNvPr id="2" name="Date Placeholder 1">
             <a:extLst>
               <a:ext uri="{FF2B5EF4-FFF2-40B4-BE49-F238E27FC236}">
-                <a16:creationId xmlns:a16="http://schemas.microsoft.com/office/drawing/2014/main" xmlns="" id="{805C1F24-BFF2-4185-85BB-A0DFC365FCD9}"/>
+                <a16:creationId xmlns:a16="http://schemas.microsoft.com/office/drawing/2014/main" id="{805C1F24-BFF2-4185-85BB-A0DFC365FCD9}"/>
               </a:ext>
             </a:extLst>
           </p:cNvPr>
@@ -2110,7 +2110,7 @@
           <p:cNvPr id="3" name="Footer Placeholder 2">
             <a:extLst>
               <a:ext uri="{FF2B5EF4-FFF2-40B4-BE49-F238E27FC236}">
-                <a16:creationId xmlns:a16="http://schemas.microsoft.com/office/drawing/2014/main" xmlns="" id="{9D0D137B-59BC-486D-BF00-F2FFE59AC0D5}"/>
+                <a16:creationId xmlns:a16="http://schemas.microsoft.com/office/drawing/2014/main" id="{9D0D137B-59BC-486D-BF00-F2FFE59AC0D5}"/>
               </a:ext>
             </a:extLst>
           </p:cNvPr>
@@ -2142,7 +2142,7 @@
           <p:cNvPr id="4" name="Slide Number Placeholder 3">
             <a:extLst>
               <a:ext uri="{FF2B5EF4-FFF2-40B4-BE49-F238E27FC236}">
-                <a16:creationId xmlns:a16="http://schemas.microsoft.com/office/drawing/2014/main" xmlns="" id="{C31921E1-018C-46BC-A8C8-322A2940309F}"/>
+                <a16:creationId xmlns:a16="http://schemas.microsoft.com/office/drawing/2014/main" id="{C31921E1-018C-46BC-A8C8-322A2940309F}"/>
               </a:ext>
             </a:extLst>
           </p:cNvPr>
@@ -2345,7 +2345,7 @@
           <p:cNvPr id="10" name="Date Placeholder 9">
             <a:extLst>
               <a:ext uri="{FF2B5EF4-FFF2-40B4-BE49-F238E27FC236}">
-                <a16:creationId xmlns:a16="http://schemas.microsoft.com/office/drawing/2014/main" xmlns="" id="{6AD71E90-A095-4E69-9451-395CD82372CC}"/>
+                <a16:creationId xmlns:a16="http://schemas.microsoft.com/office/drawing/2014/main" id="{6AD71E90-A095-4E69-9451-395CD82372CC}"/>
               </a:ext>
             </a:extLst>
           </p:cNvPr>
@@ -2377,7 +2377,7 @@
           <p:cNvPr id="11" name="Footer Placeholder 10">
             <a:extLst>
               <a:ext uri="{FF2B5EF4-FFF2-40B4-BE49-F238E27FC236}">
-                <a16:creationId xmlns:a16="http://schemas.microsoft.com/office/drawing/2014/main" xmlns="" id="{9897A521-89BB-45E2-8829-2778F464A7B2}"/>
+                <a16:creationId xmlns:a16="http://schemas.microsoft.com/office/drawing/2014/main" id="{9897A521-89BB-45E2-8829-2778F464A7B2}"/>
               </a:ext>
             </a:extLst>
           </p:cNvPr>
@@ -2409,7 +2409,7 @@
           <p:cNvPr id="12" name="Slide Number Placeholder 11">
             <a:extLst>
               <a:ext uri="{FF2B5EF4-FFF2-40B4-BE49-F238E27FC236}">
-                <a16:creationId xmlns:a16="http://schemas.microsoft.com/office/drawing/2014/main" xmlns="" id="{E67A9A81-694D-4639-A4B6-89156A3472C8}"/>
+                <a16:creationId xmlns:a16="http://schemas.microsoft.com/office/drawing/2014/main" id="{E67A9A81-694D-4639-A4B6-89156A3472C8}"/>
               </a:ext>
             </a:extLst>
           </p:cNvPr>
@@ -2596,7 +2596,7 @@
           <p:cNvPr id="3" name="Date Placeholder 2">
             <a:extLst>
               <a:ext uri="{FF2B5EF4-FFF2-40B4-BE49-F238E27FC236}">
-                <a16:creationId xmlns:a16="http://schemas.microsoft.com/office/drawing/2014/main" xmlns="" id="{03A7B6BB-4346-41AB-8BAF-8B6DEFB48F7A}"/>
+                <a16:creationId xmlns:a16="http://schemas.microsoft.com/office/drawing/2014/main" id="{03A7B6BB-4346-41AB-8BAF-8B6DEFB48F7A}"/>
               </a:ext>
             </a:extLst>
           </p:cNvPr>
@@ -2628,7 +2628,7 @@
           <p:cNvPr id="4" name="Footer Placeholder 3">
             <a:extLst>
               <a:ext uri="{FF2B5EF4-FFF2-40B4-BE49-F238E27FC236}">
-                <a16:creationId xmlns:a16="http://schemas.microsoft.com/office/drawing/2014/main" xmlns="" id="{C3A322FD-6B4A-490F-ACE4-6D1F18620472}"/>
+                <a16:creationId xmlns:a16="http://schemas.microsoft.com/office/drawing/2014/main" id="{C3A322FD-6B4A-490F-ACE4-6D1F18620472}"/>
               </a:ext>
             </a:extLst>
           </p:cNvPr>
@@ -2660,7 +2660,7 @@
           <p:cNvPr id="6" name="Slide Number Placeholder 5">
             <a:extLst>
               <a:ext uri="{FF2B5EF4-FFF2-40B4-BE49-F238E27FC236}">
-                <a16:creationId xmlns:a16="http://schemas.microsoft.com/office/drawing/2014/main" xmlns="" id="{CBEB5B42-F45F-4D47-A4D6-D98ACFA3A4E4}"/>
+                <a16:creationId xmlns:a16="http://schemas.microsoft.com/office/drawing/2014/main" id="{CBEB5B42-F45F-4D47-A4D6-D98ACFA3A4E4}"/>
               </a:ext>
             </a:extLst>
           </p:cNvPr>
@@ -2802,7 +2802,7 @@
               <a:buNone/>
               <a:tabLst/>
             </a:pPr>
-            <a:endParaRPr kumimoji="0" lang="en-US" sz="2400" b="0" i="0" u="none" strike="noStrike" cap="none" normalizeH="0" baseline="0" smtClean="0">
+            <a:endParaRPr kumimoji="0" lang="en-US" sz="2400" b="0" i="0" u="none" strike="noStrike" cap="none" normalizeH="0" baseline="0">
               <a:ln>
                 <a:noFill/>
               </a:ln>
@@ -2867,7 +2867,7 @@
           <a:p>
             <a:pPr lvl="0"/>
             <a:r>
-              <a:rPr lang="en-US" smtClean="0"/>
+              <a:rPr lang="en-US"/>
               <a:t>Click to edit Master title style</a:t>
             </a:r>
           </a:p>
@@ -2925,35 +2925,35 @@
           <a:p>
             <a:pPr lvl="0"/>
             <a:r>
-              <a:rPr lang="en-US" smtClean="0"/>
+              <a:rPr lang="en-US"/>
               <a:t>Click to edit Master text styles</a:t>
             </a:r>
           </a:p>
           <a:p>
             <a:pPr lvl="1"/>
             <a:r>
-              <a:rPr lang="en-US" smtClean="0"/>
+              <a:rPr lang="en-US"/>
               <a:t>Second level</a:t>
             </a:r>
           </a:p>
           <a:p>
             <a:pPr lvl="2"/>
             <a:r>
-              <a:rPr lang="en-US" smtClean="0"/>
+              <a:rPr lang="en-US"/>
               <a:t>Third level</a:t>
             </a:r>
           </a:p>
           <a:p>
             <a:pPr lvl="3"/>
             <a:r>
-              <a:rPr lang="en-US" smtClean="0"/>
+              <a:rPr lang="en-US"/>
               <a:t>Fourth level</a:t>
             </a:r>
           </a:p>
           <a:p>
             <a:pPr lvl="4"/>
             <a:r>
-              <a:rPr lang="en-US" smtClean="0"/>
+              <a:rPr lang="en-US"/>
               <a:t>Fifth level</a:t>
             </a:r>
           </a:p>
@@ -3006,7 +3006,7 @@
               <a:defRPr/>
             </a:pPr>
             <a:r>
-              <a:rPr lang="en-US" smtClean="0"/>
+              <a:rPr lang="en-US"/>
               <a:t>Murach's HTML and CSS, 4th Edition</a:t>
             </a:r>
             <a:endParaRPr lang="en-US" dirty="0"/>
@@ -3059,7 +3059,7 @@
               <a:defRPr/>
             </a:pPr>
             <a:r>
-              <a:rPr lang="en-US" smtClean="0"/>
+              <a:rPr lang="en-US"/>
               <a:t>© 2018, Mike Murach &amp; Associates, Inc.</a:t>
             </a:r>
             <a:endParaRPr lang="en-US" dirty="0"/>
@@ -3108,7 +3108,7 @@
             <a:pPr algn="l">
               <a:defRPr/>
             </a:pPr>
-            <a:endParaRPr lang="en-US" sz="1400" smtClean="0">
+            <a:endParaRPr lang="en-US" sz="1400">
               <a:latin typeface="Times New Roman"/>
             </a:endParaRPr>
           </a:p>
@@ -3117,7 +3117,7 @@
               <a:defRPr/>
             </a:pPr>
             <a:r>
-              <a:rPr lang="en-US" smtClean="0">
+              <a:rPr lang="en-US">
                 <a:solidFill>
                   <a:schemeClr val="bg1"/>
                 </a:solidFill>
@@ -3581,7 +3581,7 @@
           <p:cNvPr id="2" name="Text Placeholder 1">
             <a:extLst>
               <a:ext uri="{FF2B5EF4-FFF2-40B4-BE49-F238E27FC236}">
-                <a16:creationId xmlns:a16="http://schemas.microsoft.com/office/drawing/2014/main" xmlns="" id="{A683E44D-4E7B-4942-97AB-42AFF39D85D9}"/>
+                <a16:creationId xmlns:a16="http://schemas.microsoft.com/office/drawing/2014/main" id="{A683E44D-4E7B-4942-97AB-42AFF39D85D9}"/>
               </a:ext>
             </a:extLst>
           </p:cNvPr>
@@ -3651,7 +3651,7 @@
           <p:cNvPr id="3" name="Title 2">
             <a:extLst>
               <a:ext uri="{FF2B5EF4-FFF2-40B4-BE49-F238E27FC236}">
-                <a16:creationId xmlns:a16="http://schemas.microsoft.com/office/drawing/2014/main" xmlns="" id="{3D0D66C3-B4F9-4680-BE2F-E7D63605C468}"/>
+                <a16:creationId xmlns:a16="http://schemas.microsoft.com/office/drawing/2014/main" id="{3D0D66C3-B4F9-4680-BE2F-E7D63605C468}"/>
               </a:ext>
             </a:extLst>
           </p:cNvPr>
@@ -3702,7 +3702,7 @@
           <p:cNvPr id="4" name="Date Placeholder 3">
             <a:extLst>
               <a:ext uri="{FF2B5EF4-FFF2-40B4-BE49-F238E27FC236}">
-                <a16:creationId xmlns:a16="http://schemas.microsoft.com/office/drawing/2014/main" xmlns="" id="{63358075-7189-4561-A4E5-98C8C46EDDC9}"/>
+                <a16:creationId xmlns:a16="http://schemas.microsoft.com/office/drawing/2014/main" id="{63358075-7189-4561-A4E5-98C8C46EDDC9}"/>
               </a:ext>
             </a:extLst>
           </p:cNvPr>
@@ -3734,7 +3734,7 @@
           <p:cNvPr id="5" name="Footer Placeholder 4">
             <a:extLst>
               <a:ext uri="{FF2B5EF4-FFF2-40B4-BE49-F238E27FC236}">
-                <a16:creationId xmlns:a16="http://schemas.microsoft.com/office/drawing/2014/main" xmlns="" id="{122A3984-E668-431C-B47A-D79A7058C76A}"/>
+                <a16:creationId xmlns:a16="http://schemas.microsoft.com/office/drawing/2014/main" id="{122A3984-E668-431C-B47A-D79A7058C76A}"/>
               </a:ext>
             </a:extLst>
           </p:cNvPr>
@@ -3766,7 +3766,7 @@
           <p:cNvPr id="6" name="Slide Number Placeholder 5">
             <a:extLst>
               <a:ext uri="{FF2B5EF4-FFF2-40B4-BE49-F238E27FC236}">
-                <a16:creationId xmlns:a16="http://schemas.microsoft.com/office/drawing/2014/main" xmlns="" id="{4AFF6169-E941-478B-83FF-531399080CB6}"/>
+                <a16:creationId xmlns:a16="http://schemas.microsoft.com/office/drawing/2014/main" id="{4AFF6169-E941-478B-83FF-531399080CB6}"/>
               </a:ext>
             </a:extLst>
           </p:cNvPr>
@@ -3855,7 +3855,7 @@
           <p:cNvPr id="2" name="Title 1">
             <a:extLst>
               <a:ext uri="{FF2B5EF4-FFF2-40B4-BE49-F238E27FC236}">
-                <a16:creationId xmlns:a16="http://schemas.microsoft.com/office/drawing/2014/main" xmlns="" id="{77752A70-D7C9-4C50-BEA6-C453FE26E285}"/>
+                <a16:creationId xmlns:a16="http://schemas.microsoft.com/office/drawing/2014/main" id="{77752A70-D7C9-4C50-BEA6-C453FE26E285}"/>
               </a:ext>
             </a:extLst>
           </p:cNvPr>
@@ -3883,7 +3883,7 @@
           <p:cNvPr id="3" name="Text Placeholder 2">
             <a:extLst>
               <a:ext uri="{FF2B5EF4-FFF2-40B4-BE49-F238E27FC236}">
-                <a16:creationId xmlns:a16="http://schemas.microsoft.com/office/drawing/2014/main" xmlns="" id="{C62F5087-D3FF-4677-ADE9-5046B1B2BCF1}"/>
+                <a16:creationId xmlns:a16="http://schemas.microsoft.com/office/drawing/2014/main" id="{C62F5087-D3FF-4677-ADE9-5046B1B2BCF1}"/>
               </a:ext>
             </a:extLst>
           </p:cNvPr>
@@ -3984,7 +3984,7 @@
           <p:cNvPr id="4" name="Date Placeholder 3">
             <a:extLst>
               <a:ext uri="{FF2B5EF4-FFF2-40B4-BE49-F238E27FC236}">
-                <a16:creationId xmlns:a16="http://schemas.microsoft.com/office/drawing/2014/main" xmlns="" id="{91A3D912-C428-44BA-9B95-A2699186F801}"/>
+                <a16:creationId xmlns:a16="http://schemas.microsoft.com/office/drawing/2014/main" id="{91A3D912-C428-44BA-9B95-A2699186F801}"/>
               </a:ext>
             </a:extLst>
           </p:cNvPr>
@@ -4016,7 +4016,7 @@
           <p:cNvPr id="5" name="Footer Placeholder 4">
             <a:extLst>
               <a:ext uri="{FF2B5EF4-FFF2-40B4-BE49-F238E27FC236}">
-                <a16:creationId xmlns:a16="http://schemas.microsoft.com/office/drawing/2014/main" xmlns="" id="{692992D2-AD2B-41CC-89C2-9181EAB1C958}"/>
+                <a16:creationId xmlns:a16="http://schemas.microsoft.com/office/drawing/2014/main" id="{692992D2-AD2B-41CC-89C2-9181EAB1C958}"/>
               </a:ext>
             </a:extLst>
           </p:cNvPr>
@@ -4048,7 +4048,7 @@
           <p:cNvPr id="6" name="Slide Number Placeholder 5">
             <a:extLst>
               <a:ext uri="{FF2B5EF4-FFF2-40B4-BE49-F238E27FC236}">
-                <a16:creationId xmlns:a16="http://schemas.microsoft.com/office/drawing/2014/main" xmlns="" id="{4BAD91EE-6FF1-4F53-AE89-E4AE88FCB465}"/>
+                <a16:creationId xmlns:a16="http://schemas.microsoft.com/office/drawing/2014/main" id="{4BAD91EE-6FF1-4F53-AE89-E4AE88FCB465}"/>
               </a:ext>
             </a:extLst>
           </p:cNvPr>
@@ -4137,7 +4137,7 @@
           <p:cNvPr id="2" name="Title 1">
             <a:extLst>
               <a:ext uri="{FF2B5EF4-FFF2-40B4-BE49-F238E27FC236}">
-                <a16:creationId xmlns:a16="http://schemas.microsoft.com/office/drawing/2014/main" xmlns="" id="{065CBDF6-8384-493E-965F-46975D99B14A}"/>
+                <a16:creationId xmlns:a16="http://schemas.microsoft.com/office/drawing/2014/main" id="{065CBDF6-8384-493E-965F-46975D99B14A}"/>
               </a:ext>
             </a:extLst>
           </p:cNvPr>
@@ -4165,7 +4165,7 @@
           <p:cNvPr id="3" name="Text Placeholder 2">
             <a:extLst>
               <a:ext uri="{FF2B5EF4-FFF2-40B4-BE49-F238E27FC236}">
-                <a16:creationId xmlns:a16="http://schemas.microsoft.com/office/drawing/2014/main" xmlns="" id="{0181B31B-E45B-435C-A790-D822203A545A}"/>
+                <a16:creationId xmlns:a16="http://schemas.microsoft.com/office/drawing/2014/main" id="{0181B31B-E45B-435C-A790-D822203A545A}"/>
               </a:ext>
             </a:extLst>
           </p:cNvPr>
@@ -4625,7 +4625,7 @@
           <p:cNvPr id="4" name="Date Placeholder 3">
             <a:extLst>
               <a:ext uri="{FF2B5EF4-FFF2-40B4-BE49-F238E27FC236}">
-                <a16:creationId xmlns:a16="http://schemas.microsoft.com/office/drawing/2014/main" xmlns="" id="{008BFEB4-8266-4A0D-857B-9362316F5A5F}"/>
+                <a16:creationId xmlns:a16="http://schemas.microsoft.com/office/drawing/2014/main" id="{008BFEB4-8266-4A0D-857B-9362316F5A5F}"/>
               </a:ext>
             </a:extLst>
           </p:cNvPr>
@@ -4657,7 +4657,7 @@
           <p:cNvPr id="5" name="Footer Placeholder 4">
             <a:extLst>
               <a:ext uri="{FF2B5EF4-FFF2-40B4-BE49-F238E27FC236}">
-                <a16:creationId xmlns:a16="http://schemas.microsoft.com/office/drawing/2014/main" xmlns="" id="{653ABB81-17FB-4307-B788-A8C9416A2066}"/>
+                <a16:creationId xmlns:a16="http://schemas.microsoft.com/office/drawing/2014/main" id="{653ABB81-17FB-4307-B788-A8C9416A2066}"/>
               </a:ext>
             </a:extLst>
           </p:cNvPr>
@@ -4689,7 +4689,7 @@
           <p:cNvPr id="6" name="Slide Number Placeholder 5">
             <a:extLst>
               <a:ext uri="{FF2B5EF4-FFF2-40B4-BE49-F238E27FC236}">
-                <a16:creationId xmlns:a16="http://schemas.microsoft.com/office/drawing/2014/main" xmlns="" id="{93065B0E-00F9-435F-944D-AD343BBA1E5C}"/>
+                <a16:creationId xmlns:a16="http://schemas.microsoft.com/office/drawing/2014/main" id="{93065B0E-00F9-435F-944D-AD343BBA1E5C}"/>
               </a:ext>
             </a:extLst>
           </p:cNvPr>
@@ -4778,7 +4778,7 @@
           <p:cNvPr id="2" name="Title 1">
             <a:extLst>
               <a:ext uri="{FF2B5EF4-FFF2-40B4-BE49-F238E27FC236}">
-                <a16:creationId xmlns:a16="http://schemas.microsoft.com/office/drawing/2014/main" xmlns="" id="{621003FD-1BD3-4766-A9AA-15422533A3DB}"/>
+                <a16:creationId xmlns:a16="http://schemas.microsoft.com/office/drawing/2014/main" id="{621003FD-1BD3-4766-A9AA-15422533A3DB}"/>
               </a:ext>
             </a:extLst>
           </p:cNvPr>
@@ -4806,7 +4806,7 @@
           <p:cNvPr id="7" name="Content Placeholder 6" descr="See page 92 in book" title="See slide title">
             <a:extLst>
               <a:ext uri="{FF2B5EF4-FFF2-40B4-BE49-F238E27FC236}">
-                <a16:creationId xmlns:a16="http://schemas.microsoft.com/office/drawing/2014/main" xmlns="" id="{7CC8D133-113A-4A3E-880A-457354F92ACB}"/>
+                <a16:creationId xmlns:a16="http://schemas.microsoft.com/office/drawing/2014/main" id="{7CC8D133-113A-4A3E-880A-457354F92ACB}"/>
               </a:ext>
             </a:extLst>
           </p:cNvPr>
@@ -4849,7 +4849,7 @@
           <p:cNvPr id="4" name="Date Placeholder 3">
             <a:extLst>
               <a:ext uri="{FF2B5EF4-FFF2-40B4-BE49-F238E27FC236}">
-                <a16:creationId xmlns:a16="http://schemas.microsoft.com/office/drawing/2014/main" xmlns="" id="{22249D5A-4035-4F0C-938A-D0ED8FC11E1E}"/>
+                <a16:creationId xmlns:a16="http://schemas.microsoft.com/office/drawing/2014/main" id="{22249D5A-4035-4F0C-938A-D0ED8FC11E1E}"/>
               </a:ext>
             </a:extLst>
           </p:cNvPr>
@@ -4881,7 +4881,7 @@
           <p:cNvPr id="5" name="Footer Placeholder 4">
             <a:extLst>
               <a:ext uri="{FF2B5EF4-FFF2-40B4-BE49-F238E27FC236}">
-                <a16:creationId xmlns:a16="http://schemas.microsoft.com/office/drawing/2014/main" xmlns="" id="{99C02307-A8E5-490B-B677-5DE0CC3E44EF}"/>
+                <a16:creationId xmlns:a16="http://schemas.microsoft.com/office/drawing/2014/main" id="{99C02307-A8E5-490B-B677-5DE0CC3E44EF}"/>
               </a:ext>
             </a:extLst>
           </p:cNvPr>
@@ -4913,7 +4913,7 @@
           <p:cNvPr id="6" name="Slide Number Placeholder 5">
             <a:extLst>
               <a:ext uri="{FF2B5EF4-FFF2-40B4-BE49-F238E27FC236}">
-                <a16:creationId xmlns:a16="http://schemas.microsoft.com/office/drawing/2014/main" xmlns="" id="{B5BCCCBD-273C-44CC-A746-32DC26C1F2AF}"/>
+                <a16:creationId xmlns:a16="http://schemas.microsoft.com/office/drawing/2014/main" id="{B5BCCCBD-273C-44CC-A746-32DC26C1F2AF}"/>
               </a:ext>
             </a:extLst>
           </p:cNvPr>
@@ -5002,7 +5002,7 @@
           <p:cNvPr id="2" name="Title 1">
             <a:extLst>
               <a:ext uri="{FF2B5EF4-FFF2-40B4-BE49-F238E27FC236}">
-                <a16:creationId xmlns:a16="http://schemas.microsoft.com/office/drawing/2014/main" xmlns="" id="{8E8314C0-0F6B-443F-9E2C-1AAC97CB2C3C}"/>
+                <a16:creationId xmlns:a16="http://schemas.microsoft.com/office/drawing/2014/main" id="{8E8314C0-0F6B-443F-9E2C-1AAC97CB2C3C}"/>
               </a:ext>
             </a:extLst>
           </p:cNvPr>
@@ -5046,7 +5046,7 @@
           <p:cNvPr id="3" name="Text Placeholder 2">
             <a:extLst>
               <a:ext uri="{FF2B5EF4-FFF2-40B4-BE49-F238E27FC236}">
-                <a16:creationId xmlns:a16="http://schemas.microsoft.com/office/drawing/2014/main" xmlns="" id="{4750836F-FC99-4CCF-A041-8557FFC62472}"/>
+                <a16:creationId xmlns:a16="http://schemas.microsoft.com/office/drawing/2014/main" id="{4750836F-FC99-4CCF-A041-8557FFC62472}"/>
               </a:ext>
             </a:extLst>
           </p:cNvPr>
@@ -5384,7 +5384,7 @@
           <p:cNvPr id="4" name="Date Placeholder 3">
             <a:extLst>
               <a:ext uri="{FF2B5EF4-FFF2-40B4-BE49-F238E27FC236}">
-                <a16:creationId xmlns:a16="http://schemas.microsoft.com/office/drawing/2014/main" xmlns="" id="{FFC65943-D371-4C1B-8AA1-A509E3FDA1D0}"/>
+                <a16:creationId xmlns:a16="http://schemas.microsoft.com/office/drawing/2014/main" id="{FFC65943-D371-4C1B-8AA1-A509E3FDA1D0}"/>
               </a:ext>
             </a:extLst>
           </p:cNvPr>
@@ -5416,7 +5416,7 @@
           <p:cNvPr id="5" name="Footer Placeholder 4">
             <a:extLst>
               <a:ext uri="{FF2B5EF4-FFF2-40B4-BE49-F238E27FC236}">
-                <a16:creationId xmlns:a16="http://schemas.microsoft.com/office/drawing/2014/main" xmlns="" id="{DAE57C98-1557-4152-941C-79EEC2050AAD}"/>
+                <a16:creationId xmlns:a16="http://schemas.microsoft.com/office/drawing/2014/main" id="{DAE57C98-1557-4152-941C-79EEC2050AAD}"/>
               </a:ext>
             </a:extLst>
           </p:cNvPr>
@@ -5448,7 +5448,7 @@
           <p:cNvPr id="6" name="Slide Number Placeholder 5">
             <a:extLst>
               <a:ext uri="{FF2B5EF4-FFF2-40B4-BE49-F238E27FC236}">
-                <a16:creationId xmlns:a16="http://schemas.microsoft.com/office/drawing/2014/main" xmlns="" id="{67CE2AD6-4C04-47EF-A4A3-76A8707AAEEE}"/>
+                <a16:creationId xmlns:a16="http://schemas.microsoft.com/office/drawing/2014/main" id="{67CE2AD6-4C04-47EF-A4A3-76A8707AAEEE}"/>
               </a:ext>
             </a:extLst>
           </p:cNvPr>
@@ -5537,7 +5537,7 @@
           <p:cNvPr id="2" name="Title 1">
             <a:extLst>
               <a:ext uri="{FF2B5EF4-FFF2-40B4-BE49-F238E27FC236}">
-                <a16:creationId xmlns:a16="http://schemas.microsoft.com/office/drawing/2014/main" xmlns="" id="{3877195A-7964-435D-BB25-C6EC7276DC9D}"/>
+                <a16:creationId xmlns:a16="http://schemas.microsoft.com/office/drawing/2014/main" id="{3877195A-7964-435D-BB25-C6EC7276DC9D}"/>
               </a:ext>
             </a:extLst>
           </p:cNvPr>
@@ -5565,7 +5565,7 @@
           <p:cNvPr id="7" name="Content Placeholder 6" descr="See page 94 in book" title="See slide title">
             <a:extLst>
               <a:ext uri="{FF2B5EF4-FFF2-40B4-BE49-F238E27FC236}">
-                <a16:creationId xmlns:a16="http://schemas.microsoft.com/office/drawing/2014/main" xmlns="" id="{DE27BBAA-0569-4081-B178-77FE1A197824}"/>
+                <a16:creationId xmlns:a16="http://schemas.microsoft.com/office/drawing/2014/main" id="{DE27BBAA-0569-4081-B178-77FE1A197824}"/>
               </a:ext>
             </a:extLst>
           </p:cNvPr>
@@ -5608,7 +5608,7 @@
           <p:cNvPr id="4" name="Date Placeholder 3">
             <a:extLst>
               <a:ext uri="{FF2B5EF4-FFF2-40B4-BE49-F238E27FC236}">
-                <a16:creationId xmlns:a16="http://schemas.microsoft.com/office/drawing/2014/main" xmlns="" id="{3FFB5495-2069-492D-A10E-1F954E197C46}"/>
+                <a16:creationId xmlns:a16="http://schemas.microsoft.com/office/drawing/2014/main" id="{3FFB5495-2069-492D-A10E-1F954E197C46}"/>
               </a:ext>
             </a:extLst>
           </p:cNvPr>
@@ -5640,7 +5640,7 @@
           <p:cNvPr id="5" name="Footer Placeholder 4">
             <a:extLst>
               <a:ext uri="{FF2B5EF4-FFF2-40B4-BE49-F238E27FC236}">
-                <a16:creationId xmlns:a16="http://schemas.microsoft.com/office/drawing/2014/main" xmlns="" id="{CD063F07-C57E-4844-AFD3-E9546CE347A0}"/>
+                <a16:creationId xmlns:a16="http://schemas.microsoft.com/office/drawing/2014/main" id="{CD063F07-C57E-4844-AFD3-E9546CE347A0}"/>
               </a:ext>
             </a:extLst>
           </p:cNvPr>
@@ -5672,7 +5672,7 @@
           <p:cNvPr id="6" name="Slide Number Placeholder 5">
             <a:extLst>
               <a:ext uri="{FF2B5EF4-FFF2-40B4-BE49-F238E27FC236}">
-                <a16:creationId xmlns:a16="http://schemas.microsoft.com/office/drawing/2014/main" xmlns="" id="{5F626CF5-7AF4-41DF-A987-D4B56DC89D4D}"/>
+                <a16:creationId xmlns:a16="http://schemas.microsoft.com/office/drawing/2014/main" id="{5F626CF5-7AF4-41DF-A987-D4B56DC89D4D}"/>
               </a:ext>
             </a:extLst>
           </p:cNvPr>
@@ -5761,7 +5761,7 @@
           <p:cNvPr id="2" name="Title 1">
             <a:extLst>
               <a:ext uri="{FF2B5EF4-FFF2-40B4-BE49-F238E27FC236}">
-                <a16:creationId xmlns:a16="http://schemas.microsoft.com/office/drawing/2014/main" xmlns="" id="{3910D898-01F0-4A06-B6DD-82A61486970D}"/>
+                <a16:creationId xmlns:a16="http://schemas.microsoft.com/office/drawing/2014/main" id="{3910D898-01F0-4A06-B6DD-82A61486970D}"/>
               </a:ext>
             </a:extLst>
           </p:cNvPr>
@@ -5789,7 +5789,7 @@
           <p:cNvPr id="3" name="Text Placeholder 2">
             <a:extLst>
               <a:ext uri="{FF2B5EF4-FFF2-40B4-BE49-F238E27FC236}">
-                <a16:creationId xmlns:a16="http://schemas.microsoft.com/office/drawing/2014/main" xmlns="" id="{2F045B9B-238B-474E-A79C-DBCEE5A06BCE}"/>
+                <a16:creationId xmlns:a16="http://schemas.microsoft.com/office/drawing/2014/main" id="{2F045B9B-238B-474E-A79C-DBCEE5A06BCE}"/>
               </a:ext>
             </a:extLst>
           </p:cNvPr>
@@ -6159,7 +6159,7 @@
           <p:cNvPr id="4" name="Date Placeholder 3">
             <a:extLst>
               <a:ext uri="{FF2B5EF4-FFF2-40B4-BE49-F238E27FC236}">
-                <a16:creationId xmlns:a16="http://schemas.microsoft.com/office/drawing/2014/main" xmlns="" id="{15D018A9-5C2C-4972-98F1-48CD1B12DD58}"/>
+                <a16:creationId xmlns:a16="http://schemas.microsoft.com/office/drawing/2014/main" id="{15D018A9-5C2C-4972-98F1-48CD1B12DD58}"/>
               </a:ext>
             </a:extLst>
           </p:cNvPr>
@@ -6191,7 +6191,7 @@
           <p:cNvPr id="5" name="Footer Placeholder 4">
             <a:extLst>
               <a:ext uri="{FF2B5EF4-FFF2-40B4-BE49-F238E27FC236}">
-                <a16:creationId xmlns:a16="http://schemas.microsoft.com/office/drawing/2014/main" xmlns="" id="{3290E282-256E-4A0B-8A56-2E154C44798D}"/>
+                <a16:creationId xmlns:a16="http://schemas.microsoft.com/office/drawing/2014/main" id="{3290E282-256E-4A0B-8A56-2E154C44798D}"/>
               </a:ext>
             </a:extLst>
           </p:cNvPr>
@@ -6223,7 +6223,7 @@
           <p:cNvPr id="6" name="Slide Number Placeholder 5">
             <a:extLst>
               <a:ext uri="{FF2B5EF4-FFF2-40B4-BE49-F238E27FC236}">
-                <a16:creationId xmlns:a16="http://schemas.microsoft.com/office/drawing/2014/main" xmlns="" id="{3BECE676-7B79-438B-90E5-6BF7CA82026E}"/>
+                <a16:creationId xmlns:a16="http://schemas.microsoft.com/office/drawing/2014/main" id="{3BECE676-7B79-438B-90E5-6BF7CA82026E}"/>
               </a:ext>
             </a:extLst>
           </p:cNvPr>
@@ -6312,7 +6312,7 @@
           <p:cNvPr id="2" name="Title 1">
             <a:extLst>
               <a:ext uri="{FF2B5EF4-FFF2-40B4-BE49-F238E27FC236}">
-                <a16:creationId xmlns:a16="http://schemas.microsoft.com/office/drawing/2014/main" xmlns="" id="{D256D7D1-5AAA-4BD3-B35C-B88AACDF78B4}"/>
+                <a16:creationId xmlns:a16="http://schemas.microsoft.com/office/drawing/2014/main" id="{D256D7D1-5AAA-4BD3-B35C-B88AACDF78B4}"/>
               </a:ext>
             </a:extLst>
           </p:cNvPr>
@@ -6356,7 +6356,7 @@
           <p:cNvPr id="7" name="Content Placeholder 6" descr="See page 96 in book" title="See slide title">
             <a:extLst>
               <a:ext uri="{FF2B5EF4-FFF2-40B4-BE49-F238E27FC236}">
-                <a16:creationId xmlns:a16="http://schemas.microsoft.com/office/drawing/2014/main" xmlns="" id="{8177072C-E417-4B4D-83A5-23A586184D1E}"/>
+                <a16:creationId xmlns:a16="http://schemas.microsoft.com/office/drawing/2014/main" id="{8177072C-E417-4B4D-83A5-23A586184D1E}"/>
               </a:ext>
             </a:extLst>
           </p:cNvPr>
@@ -6394,7 +6394,7 @@
           <p:cNvPr id="4" name="Date Placeholder 3">
             <a:extLst>
               <a:ext uri="{FF2B5EF4-FFF2-40B4-BE49-F238E27FC236}">
-                <a16:creationId xmlns:a16="http://schemas.microsoft.com/office/drawing/2014/main" xmlns="" id="{3FC14637-9709-45CF-BA59-26764ABDFA38}"/>
+                <a16:creationId xmlns:a16="http://schemas.microsoft.com/office/drawing/2014/main" id="{3FC14637-9709-45CF-BA59-26764ABDFA38}"/>
               </a:ext>
             </a:extLst>
           </p:cNvPr>
@@ -6426,7 +6426,7 @@
           <p:cNvPr id="5" name="Footer Placeholder 4">
             <a:extLst>
               <a:ext uri="{FF2B5EF4-FFF2-40B4-BE49-F238E27FC236}">
-                <a16:creationId xmlns:a16="http://schemas.microsoft.com/office/drawing/2014/main" xmlns="" id="{EB69A319-9165-455F-831B-78331EB750EE}"/>
+                <a16:creationId xmlns:a16="http://schemas.microsoft.com/office/drawing/2014/main" id="{EB69A319-9165-455F-831B-78331EB750EE}"/>
               </a:ext>
             </a:extLst>
           </p:cNvPr>
@@ -6458,7 +6458,7 @@
           <p:cNvPr id="6" name="Slide Number Placeholder 5">
             <a:extLst>
               <a:ext uri="{FF2B5EF4-FFF2-40B4-BE49-F238E27FC236}">
-                <a16:creationId xmlns:a16="http://schemas.microsoft.com/office/drawing/2014/main" xmlns="" id="{ECA396B6-AEDF-454F-A817-C64E4581220F}"/>
+                <a16:creationId xmlns:a16="http://schemas.microsoft.com/office/drawing/2014/main" id="{ECA396B6-AEDF-454F-A817-C64E4581220F}"/>
               </a:ext>
             </a:extLst>
           </p:cNvPr>
@@ -6547,7 +6547,7 @@
           <p:cNvPr id="2" name="Title 1">
             <a:extLst>
               <a:ext uri="{FF2B5EF4-FFF2-40B4-BE49-F238E27FC236}">
-                <a16:creationId xmlns:a16="http://schemas.microsoft.com/office/drawing/2014/main" xmlns="" id="{3905CCB0-AF90-47CC-8EFC-515BE651BB62}"/>
+                <a16:creationId xmlns:a16="http://schemas.microsoft.com/office/drawing/2014/main" id="{3905CCB0-AF90-47CC-8EFC-515BE651BB62}"/>
               </a:ext>
             </a:extLst>
           </p:cNvPr>
@@ -6591,7 +6591,7 @@
           <p:cNvPr id="3" name="Text Placeholder 2">
             <a:extLst>
               <a:ext uri="{FF2B5EF4-FFF2-40B4-BE49-F238E27FC236}">
-                <a16:creationId xmlns:a16="http://schemas.microsoft.com/office/drawing/2014/main" xmlns="" id="{04F9DF40-357D-4BE6-AFAF-E00BF2C5B8F2}"/>
+                <a16:creationId xmlns:a16="http://schemas.microsoft.com/office/drawing/2014/main" id="{04F9DF40-357D-4BE6-AFAF-E00BF2C5B8F2}"/>
               </a:ext>
             </a:extLst>
           </p:cNvPr>
@@ -7120,7 +7120,7 @@
           <p:cNvPr id="4" name="Date Placeholder 3">
             <a:extLst>
               <a:ext uri="{FF2B5EF4-FFF2-40B4-BE49-F238E27FC236}">
-                <a16:creationId xmlns:a16="http://schemas.microsoft.com/office/drawing/2014/main" xmlns="" id="{D9E5B09B-E82C-4944-B0BD-5457DBF7770B}"/>
+                <a16:creationId xmlns:a16="http://schemas.microsoft.com/office/drawing/2014/main" id="{D9E5B09B-E82C-4944-B0BD-5457DBF7770B}"/>
               </a:ext>
             </a:extLst>
           </p:cNvPr>
@@ -7152,7 +7152,7 @@
           <p:cNvPr id="5" name="Footer Placeholder 4">
             <a:extLst>
               <a:ext uri="{FF2B5EF4-FFF2-40B4-BE49-F238E27FC236}">
-                <a16:creationId xmlns:a16="http://schemas.microsoft.com/office/drawing/2014/main" xmlns="" id="{366D67E9-F2CE-4996-90C1-AD24D2AD4661}"/>
+                <a16:creationId xmlns:a16="http://schemas.microsoft.com/office/drawing/2014/main" id="{366D67E9-F2CE-4996-90C1-AD24D2AD4661}"/>
               </a:ext>
             </a:extLst>
           </p:cNvPr>
@@ -7184,7 +7184,7 @@
           <p:cNvPr id="6" name="Slide Number Placeholder 5">
             <a:extLst>
               <a:ext uri="{FF2B5EF4-FFF2-40B4-BE49-F238E27FC236}">
-                <a16:creationId xmlns:a16="http://schemas.microsoft.com/office/drawing/2014/main" xmlns="" id="{ACCAC023-CFD0-44EA-A03A-0A8D0B798643}"/>
+                <a16:creationId xmlns:a16="http://schemas.microsoft.com/office/drawing/2014/main" id="{ACCAC023-CFD0-44EA-A03A-0A8D0B798643}"/>
               </a:ext>
             </a:extLst>
           </p:cNvPr>
@@ -7273,7 +7273,7 @@
           <p:cNvPr id="2" name="Title 1">
             <a:extLst>
               <a:ext uri="{FF2B5EF4-FFF2-40B4-BE49-F238E27FC236}">
-                <a16:creationId xmlns:a16="http://schemas.microsoft.com/office/drawing/2014/main" xmlns="" id="{A50CC65A-5289-4F7F-9FB0-BA566FBE251B}"/>
+                <a16:creationId xmlns:a16="http://schemas.microsoft.com/office/drawing/2014/main" id="{A50CC65A-5289-4F7F-9FB0-BA566FBE251B}"/>
               </a:ext>
             </a:extLst>
           </p:cNvPr>
@@ -7317,7 +7317,7 @@
           <p:cNvPr id="7" name="Content Placeholder 6" descr="See page 98 in book" title="See slide title">
             <a:extLst>
               <a:ext uri="{FF2B5EF4-FFF2-40B4-BE49-F238E27FC236}">
-                <a16:creationId xmlns:a16="http://schemas.microsoft.com/office/drawing/2014/main" xmlns="" id="{D0FF1396-E193-4746-8E24-8F682D5AF86E}"/>
+                <a16:creationId xmlns:a16="http://schemas.microsoft.com/office/drawing/2014/main" id="{D0FF1396-E193-4746-8E24-8F682D5AF86E}"/>
               </a:ext>
             </a:extLst>
           </p:cNvPr>
@@ -7360,7 +7360,7 @@
           <p:cNvPr id="4" name="Date Placeholder 3">
             <a:extLst>
               <a:ext uri="{FF2B5EF4-FFF2-40B4-BE49-F238E27FC236}">
-                <a16:creationId xmlns:a16="http://schemas.microsoft.com/office/drawing/2014/main" xmlns="" id="{229F4C4C-560E-406F-AEB7-3A808A4CEC38}"/>
+                <a16:creationId xmlns:a16="http://schemas.microsoft.com/office/drawing/2014/main" id="{229F4C4C-560E-406F-AEB7-3A808A4CEC38}"/>
               </a:ext>
             </a:extLst>
           </p:cNvPr>
@@ -7392,7 +7392,7 @@
           <p:cNvPr id="5" name="Footer Placeholder 4">
             <a:extLst>
               <a:ext uri="{FF2B5EF4-FFF2-40B4-BE49-F238E27FC236}">
-                <a16:creationId xmlns:a16="http://schemas.microsoft.com/office/drawing/2014/main" xmlns="" id="{F575B494-A80C-4EAB-8A99-B5FFCFF71E4B}"/>
+                <a16:creationId xmlns:a16="http://schemas.microsoft.com/office/drawing/2014/main" id="{F575B494-A80C-4EAB-8A99-B5FFCFF71E4B}"/>
               </a:ext>
             </a:extLst>
           </p:cNvPr>
@@ -7424,7 +7424,7 @@
           <p:cNvPr id="6" name="Slide Number Placeholder 5">
             <a:extLst>
               <a:ext uri="{FF2B5EF4-FFF2-40B4-BE49-F238E27FC236}">
-                <a16:creationId xmlns:a16="http://schemas.microsoft.com/office/drawing/2014/main" xmlns="" id="{CA6F5E79-74B0-4837-BF63-34AC9CD84A57}"/>
+                <a16:creationId xmlns:a16="http://schemas.microsoft.com/office/drawing/2014/main" id="{CA6F5E79-74B0-4837-BF63-34AC9CD84A57}"/>
               </a:ext>
             </a:extLst>
           </p:cNvPr>
@@ -7513,7 +7513,7 @@
           <p:cNvPr id="2" name="Title 1">
             <a:extLst>
               <a:ext uri="{FF2B5EF4-FFF2-40B4-BE49-F238E27FC236}">
-                <a16:creationId xmlns:a16="http://schemas.microsoft.com/office/drawing/2014/main" xmlns="" id="{307BABC8-3C4B-43E7-9682-7328A2382D1F}"/>
+                <a16:creationId xmlns:a16="http://schemas.microsoft.com/office/drawing/2014/main" id="{307BABC8-3C4B-43E7-9682-7328A2382D1F}"/>
               </a:ext>
             </a:extLst>
           </p:cNvPr>
@@ -7557,7 +7557,7 @@
           <p:cNvPr id="3" name="Text Placeholder 2">
             <a:extLst>
               <a:ext uri="{FF2B5EF4-FFF2-40B4-BE49-F238E27FC236}">
-                <a16:creationId xmlns:a16="http://schemas.microsoft.com/office/drawing/2014/main" xmlns="" id="{619A79ED-B2E0-4410-BD99-357612D9DE78}"/>
+                <a16:creationId xmlns:a16="http://schemas.microsoft.com/office/drawing/2014/main" id="{619A79ED-B2E0-4410-BD99-357612D9DE78}"/>
               </a:ext>
             </a:extLst>
           </p:cNvPr>
@@ -7901,7 +7901,7 @@
           <p:cNvPr id="4" name="Date Placeholder 3">
             <a:extLst>
               <a:ext uri="{FF2B5EF4-FFF2-40B4-BE49-F238E27FC236}">
-                <a16:creationId xmlns:a16="http://schemas.microsoft.com/office/drawing/2014/main" xmlns="" id="{BDE2E6F0-BD93-4818-B1C2-F1908DEACE06}"/>
+                <a16:creationId xmlns:a16="http://schemas.microsoft.com/office/drawing/2014/main" id="{BDE2E6F0-BD93-4818-B1C2-F1908DEACE06}"/>
               </a:ext>
             </a:extLst>
           </p:cNvPr>
@@ -7933,7 +7933,7 @@
           <p:cNvPr id="5" name="Footer Placeholder 4">
             <a:extLst>
               <a:ext uri="{FF2B5EF4-FFF2-40B4-BE49-F238E27FC236}">
-                <a16:creationId xmlns:a16="http://schemas.microsoft.com/office/drawing/2014/main" xmlns="" id="{4C3CE3C8-48FB-4DC5-A963-979B67F1444B}"/>
+                <a16:creationId xmlns:a16="http://schemas.microsoft.com/office/drawing/2014/main" id="{4C3CE3C8-48FB-4DC5-A963-979B67F1444B}"/>
               </a:ext>
             </a:extLst>
           </p:cNvPr>
@@ -7965,7 +7965,7 @@
           <p:cNvPr id="6" name="Slide Number Placeholder 5">
             <a:extLst>
               <a:ext uri="{FF2B5EF4-FFF2-40B4-BE49-F238E27FC236}">
-                <a16:creationId xmlns:a16="http://schemas.microsoft.com/office/drawing/2014/main" xmlns="" id="{3FA77CAF-E4B2-48C1-905C-7F80F37B3FF8}"/>
+                <a16:creationId xmlns:a16="http://schemas.microsoft.com/office/drawing/2014/main" id="{3FA77CAF-E4B2-48C1-905C-7F80F37B3FF8}"/>
               </a:ext>
             </a:extLst>
           </p:cNvPr>
@@ -8054,7 +8054,7 @@
           <p:cNvPr id="2" name="Title 1">
             <a:extLst>
               <a:ext uri="{FF2B5EF4-FFF2-40B4-BE49-F238E27FC236}">
-                <a16:creationId xmlns:a16="http://schemas.microsoft.com/office/drawing/2014/main" xmlns="" id="{8AEF6B11-D255-4AED-8314-E91903D34803}"/>
+                <a16:creationId xmlns:a16="http://schemas.microsoft.com/office/drawing/2014/main" id="{8AEF6B11-D255-4AED-8314-E91903D34803}"/>
               </a:ext>
             </a:extLst>
           </p:cNvPr>
@@ -8098,7 +8098,7 @@
           <p:cNvPr id="3" name="Text Placeholder 2">
             <a:extLst>
               <a:ext uri="{FF2B5EF4-FFF2-40B4-BE49-F238E27FC236}">
-                <a16:creationId xmlns:a16="http://schemas.microsoft.com/office/drawing/2014/main" xmlns="" id="{92F66457-C087-4BA0-A317-27F010E4724B}"/>
+                <a16:creationId xmlns:a16="http://schemas.microsoft.com/office/drawing/2014/main" id="{92F66457-C087-4BA0-A317-27F010E4724B}"/>
               </a:ext>
             </a:extLst>
           </p:cNvPr>
@@ -8387,7 +8387,7 @@
           <p:cNvPr id="4" name="Date Placeholder 3">
             <a:extLst>
               <a:ext uri="{FF2B5EF4-FFF2-40B4-BE49-F238E27FC236}">
-                <a16:creationId xmlns:a16="http://schemas.microsoft.com/office/drawing/2014/main" xmlns="" id="{AD6CC3F9-2412-4ED4-87F3-4E1B1F64C7BE}"/>
+                <a16:creationId xmlns:a16="http://schemas.microsoft.com/office/drawing/2014/main" id="{AD6CC3F9-2412-4ED4-87F3-4E1B1F64C7BE}"/>
               </a:ext>
             </a:extLst>
           </p:cNvPr>
@@ -8419,7 +8419,7 @@
           <p:cNvPr id="5" name="Footer Placeholder 4">
             <a:extLst>
               <a:ext uri="{FF2B5EF4-FFF2-40B4-BE49-F238E27FC236}">
-                <a16:creationId xmlns:a16="http://schemas.microsoft.com/office/drawing/2014/main" xmlns="" id="{9CA87419-98D4-4223-B03E-0A7C359BA4B6}"/>
+                <a16:creationId xmlns:a16="http://schemas.microsoft.com/office/drawing/2014/main" id="{9CA87419-98D4-4223-B03E-0A7C359BA4B6}"/>
               </a:ext>
             </a:extLst>
           </p:cNvPr>
@@ -8451,7 +8451,7 @@
           <p:cNvPr id="6" name="Slide Number Placeholder 5">
             <a:extLst>
               <a:ext uri="{FF2B5EF4-FFF2-40B4-BE49-F238E27FC236}">
-                <a16:creationId xmlns:a16="http://schemas.microsoft.com/office/drawing/2014/main" xmlns="" id="{A4336018-BF6B-4974-A6E8-61371E9FEA6D}"/>
+                <a16:creationId xmlns:a16="http://schemas.microsoft.com/office/drawing/2014/main" id="{A4336018-BF6B-4974-A6E8-61371E9FEA6D}"/>
               </a:ext>
             </a:extLst>
           </p:cNvPr>
@@ -8540,7 +8540,7 @@
           <p:cNvPr id="2" name="Title 1">
             <a:extLst>
               <a:ext uri="{FF2B5EF4-FFF2-40B4-BE49-F238E27FC236}">
-                <a16:creationId xmlns:a16="http://schemas.microsoft.com/office/drawing/2014/main" xmlns="" id="{DC2EA1EA-660B-4C32-8A7D-605C976F1EEE}"/>
+                <a16:creationId xmlns:a16="http://schemas.microsoft.com/office/drawing/2014/main" id="{DC2EA1EA-660B-4C32-8A7D-605C976F1EEE}"/>
               </a:ext>
             </a:extLst>
           </p:cNvPr>
@@ -8584,7 +8584,7 @@
           <p:cNvPr id="7" name="Content Placeholder 6" descr="See page 100 in book" title="See slide title">
             <a:extLst>
               <a:ext uri="{FF2B5EF4-FFF2-40B4-BE49-F238E27FC236}">
-                <a16:creationId xmlns:a16="http://schemas.microsoft.com/office/drawing/2014/main" xmlns="" id="{1E4D111E-FC66-4CBB-9175-68B3B5D05382}"/>
+                <a16:creationId xmlns:a16="http://schemas.microsoft.com/office/drawing/2014/main" id="{1E4D111E-FC66-4CBB-9175-68B3B5D05382}"/>
               </a:ext>
             </a:extLst>
           </p:cNvPr>
@@ -8622,7 +8622,7 @@
           <p:cNvPr id="4" name="Date Placeholder 3">
             <a:extLst>
               <a:ext uri="{FF2B5EF4-FFF2-40B4-BE49-F238E27FC236}">
-                <a16:creationId xmlns:a16="http://schemas.microsoft.com/office/drawing/2014/main" xmlns="" id="{D5653D5D-5627-47D7-A3A8-E3E07C80EEF0}"/>
+                <a16:creationId xmlns:a16="http://schemas.microsoft.com/office/drawing/2014/main" id="{D5653D5D-5627-47D7-A3A8-E3E07C80EEF0}"/>
               </a:ext>
             </a:extLst>
           </p:cNvPr>
@@ -8654,7 +8654,7 @@
           <p:cNvPr id="5" name="Footer Placeholder 4">
             <a:extLst>
               <a:ext uri="{FF2B5EF4-FFF2-40B4-BE49-F238E27FC236}">
-                <a16:creationId xmlns:a16="http://schemas.microsoft.com/office/drawing/2014/main" xmlns="" id="{49B402F8-265B-48BE-AF3A-06EA82ABC915}"/>
+                <a16:creationId xmlns:a16="http://schemas.microsoft.com/office/drawing/2014/main" id="{49B402F8-265B-48BE-AF3A-06EA82ABC915}"/>
               </a:ext>
             </a:extLst>
           </p:cNvPr>
@@ -8686,7 +8686,7 @@
           <p:cNvPr id="6" name="Slide Number Placeholder 5">
             <a:extLst>
               <a:ext uri="{FF2B5EF4-FFF2-40B4-BE49-F238E27FC236}">
-                <a16:creationId xmlns:a16="http://schemas.microsoft.com/office/drawing/2014/main" xmlns="" id="{D77632A0-A1E2-45CD-90A6-6A229CE111E0}"/>
+                <a16:creationId xmlns:a16="http://schemas.microsoft.com/office/drawing/2014/main" id="{D77632A0-A1E2-45CD-90A6-6A229CE111E0}"/>
               </a:ext>
             </a:extLst>
           </p:cNvPr>
@@ -8775,7 +8775,7 @@
           <p:cNvPr id="2" name="Title 1">
             <a:extLst>
               <a:ext uri="{FF2B5EF4-FFF2-40B4-BE49-F238E27FC236}">
-                <a16:creationId xmlns:a16="http://schemas.microsoft.com/office/drawing/2014/main" xmlns="" id="{DAB60588-0146-4086-8E47-52F9C638AE84}"/>
+                <a16:creationId xmlns:a16="http://schemas.microsoft.com/office/drawing/2014/main" id="{DAB60588-0146-4086-8E47-52F9C638AE84}"/>
               </a:ext>
             </a:extLst>
           </p:cNvPr>
@@ -8835,7 +8835,7 @@
           <p:cNvPr id="3" name="Text Placeholder 2">
             <a:extLst>
               <a:ext uri="{FF2B5EF4-FFF2-40B4-BE49-F238E27FC236}">
-                <a16:creationId xmlns:a16="http://schemas.microsoft.com/office/drawing/2014/main" xmlns="" id="{CFCCF2B7-24CF-48C1-A859-BDB9635506F3}"/>
+                <a16:creationId xmlns:a16="http://schemas.microsoft.com/office/drawing/2014/main" id="{CFCCF2B7-24CF-48C1-A859-BDB9635506F3}"/>
               </a:ext>
             </a:extLst>
           </p:cNvPr>
@@ -9346,7 +9346,7 @@
           <p:cNvPr id="4" name="Date Placeholder 3">
             <a:extLst>
               <a:ext uri="{FF2B5EF4-FFF2-40B4-BE49-F238E27FC236}">
-                <a16:creationId xmlns:a16="http://schemas.microsoft.com/office/drawing/2014/main" xmlns="" id="{08B7689C-AFA1-47B7-B39C-17BF7891DCB7}"/>
+                <a16:creationId xmlns:a16="http://schemas.microsoft.com/office/drawing/2014/main" id="{08B7689C-AFA1-47B7-B39C-17BF7891DCB7}"/>
               </a:ext>
             </a:extLst>
           </p:cNvPr>
@@ -9378,7 +9378,7 @@
           <p:cNvPr id="5" name="Footer Placeholder 4">
             <a:extLst>
               <a:ext uri="{FF2B5EF4-FFF2-40B4-BE49-F238E27FC236}">
-                <a16:creationId xmlns:a16="http://schemas.microsoft.com/office/drawing/2014/main" xmlns="" id="{45B76687-6257-4D26-92C9-71F46B338EC3}"/>
+                <a16:creationId xmlns:a16="http://schemas.microsoft.com/office/drawing/2014/main" id="{45B76687-6257-4D26-92C9-71F46B338EC3}"/>
               </a:ext>
             </a:extLst>
           </p:cNvPr>
@@ -9410,7 +9410,7 @@
           <p:cNvPr id="6" name="Slide Number Placeholder 5">
             <a:extLst>
               <a:ext uri="{FF2B5EF4-FFF2-40B4-BE49-F238E27FC236}">
-                <a16:creationId xmlns:a16="http://schemas.microsoft.com/office/drawing/2014/main" xmlns="" id="{5EAE2C22-2818-4860-B56A-90DF001A2C32}"/>
+                <a16:creationId xmlns:a16="http://schemas.microsoft.com/office/drawing/2014/main" id="{5EAE2C22-2818-4860-B56A-90DF001A2C32}"/>
               </a:ext>
             </a:extLst>
           </p:cNvPr>
@@ -9499,7 +9499,7 @@
           <p:cNvPr id="2" name="Title 1">
             <a:extLst>
               <a:ext uri="{FF2B5EF4-FFF2-40B4-BE49-F238E27FC236}">
-                <a16:creationId xmlns:a16="http://schemas.microsoft.com/office/drawing/2014/main" xmlns="" id="{A845AAD3-E454-466A-80C7-17550CF33390}"/>
+                <a16:creationId xmlns:a16="http://schemas.microsoft.com/office/drawing/2014/main" id="{A845AAD3-E454-466A-80C7-17550CF33390}"/>
               </a:ext>
             </a:extLst>
           </p:cNvPr>
@@ -9559,7 +9559,7 @@
           <p:cNvPr id="7" name="Content Placeholder 6" descr="See page 102 in book" title="See slide title">
             <a:extLst>
               <a:ext uri="{FF2B5EF4-FFF2-40B4-BE49-F238E27FC236}">
-                <a16:creationId xmlns:a16="http://schemas.microsoft.com/office/drawing/2014/main" xmlns="" id="{B81217C3-3E25-4ACE-AC66-D25BE61EB49B}"/>
+                <a16:creationId xmlns:a16="http://schemas.microsoft.com/office/drawing/2014/main" id="{B81217C3-3E25-4ACE-AC66-D25BE61EB49B}"/>
               </a:ext>
             </a:extLst>
           </p:cNvPr>
@@ -9602,7 +9602,7 @@
           <p:cNvPr id="4" name="Date Placeholder 3">
             <a:extLst>
               <a:ext uri="{FF2B5EF4-FFF2-40B4-BE49-F238E27FC236}">
-                <a16:creationId xmlns:a16="http://schemas.microsoft.com/office/drawing/2014/main" xmlns="" id="{39D48297-8A1E-4E1D-BEC8-84FEA705B863}"/>
+                <a16:creationId xmlns:a16="http://schemas.microsoft.com/office/drawing/2014/main" id="{39D48297-8A1E-4E1D-BEC8-84FEA705B863}"/>
               </a:ext>
             </a:extLst>
           </p:cNvPr>
@@ -9634,7 +9634,7 @@
           <p:cNvPr id="5" name="Footer Placeholder 4">
             <a:extLst>
               <a:ext uri="{FF2B5EF4-FFF2-40B4-BE49-F238E27FC236}">
-                <a16:creationId xmlns:a16="http://schemas.microsoft.com/office/drawing/2014/main" xmlns="" id="{D4AD5FCC-6C9C-4E7F-B5F8-1411ED37331F}"/>
+                <a16:creationId xmlns:a16="http://schemas.microsoft.com/office/drawing/2014/main" id="{D4AD5FCC-6C9C-4E7F-B5F8-1411ED37331F}"/>
               </a:ext>
             </a:extLst>
           </p:cNvPr>
@@ -9666,7 +9666,7 @@
           <p:cNvPr id="6" name="Slide Number Placeholder 5">
             <a:extLst>
               <a:ext uri="{FF2B5EF4-FFF2-40B4-BE49-F238E27FC236}">
-                <a16:creationId xmlns:a16="http://schemas.microsoft.com/office/drawing/2014/main" xmlns="" id="{6BF25667-1374-49AD-BB53-1BC1E943CF53}"/>
+                <a16:creationId xmlns:a16="http://schemas.microsoft.com/office/drawing/2014/main" id="{6BF25667-1374-49AD-BB53-1BC1E943CF53}"/>
               </a:ext>
             </a:extLst>
           </p:cNvPr>
@@ -9755,7 +9755,7 @@
           <p:cNvPr id="2" name="Title 1">
             <a:extLst>
               <a:ext uri="{FF2B5EF4-FFF2-40B4-BE49-F238E27FC236}">
-                <a16:creationId xmlns:a16="http://schemas.microsoft.com/office/drawing/2014/main" xmlns="" id="{E8E39115-5D12-474E-A29F-741A12427874}"/>
+                <a16:creationId xmlns:a16="http://schemas.microsoft.com/office/drawing/2014/main" id="{E8E39115-5D12-474E-A29F-741A12427874}"/>
               </a:ext>
             </a:extLst>
           </p:cNvPr>
@@ -9799,7 +9799,7 @@
           <p:cNvPr id="3" name="Text Placeholder 2">
             <a:extLst>
               <a:ext uri="{FF2B5EF4-FFF2-40B4-BE49-F238E27FC236}">
-                <a16:creationId xmlns:a16="http://schemas.microsoft.com/office/drawing/2014/main" xmlns="" id="{BE551BD6-9064-4668-B256-D58A53291D27}"/>
+                <a16:creationId xmlns:a16="http://schemas.microsoft.com/office/drawing/2014/main" id="{BE551BD6-9064-4668-B256-D58A53291D27}"/>
               </a:ext>
             </a:extLst>
           </p:cNvPr>
@@ -10100,7 +10100,7 @@
           <p:cNvPr id="4" name="Date Placeholder 3">
             <a:extLst>
               <a:ext uri="{FF2B5EF4-FFF2-40B4-BE49-F238E27FC236}">
-                <a16:creationId xmlns:a16="http://schemas.microsoft.com/office/drawing/2014/main" xmlns="" id="{044AF74D-9850-44F7-A832-090C45053D7A}"/>
+                <a16:creationId xmlns:a16="http://schemas.microsoft.com/office/drawing/2014/main" id="{044AF74D-9850-44F7-A832-090C45053D7A}"/>
               </a:ext>
             </a:extLst>
           </p:cNvPr>
@@ -10132,7 +10132,7 @@
           <p:cNvPr id="5" name="Footer Placeholder 4">
             <a:extLst>
               <a:ext uri="{FF2B5EF4-FFF2-40B4-BE49-F238E27FC236}">
-                <a16:creationId xmlns:a16="http://schemas.microsoft.com/office/drawing/2014/main" xmlns="" id="{E0D53C95-986A-4E22-BB15-E65ED01DB2E4}"/>
+                <a16:creationId xmlns:a16="http://schemas.microsoft.com/office/drawing/2014/main" id="{E0D53C95-986A-4E22-BB15-E65ED01DB2E4}"/>
               </a:ext>
             </a:extLst>
           </p:cNvPr>
@@ -10164,7 +10164,7 @@
           <p:cNvPr id="6" name="Slide Number Placeholder 5">
             <a:extLst>
               <a:ext uri="{FF2B5EF4-FFF2-40B4-BE49-F238E27FC236}">
-                <a16:creationId xmlns:a16="http://schemas.microsoft.com/office/drawing/2014/main" xmlns="" id="{4A7AC976-9046-4DF3-A95F-79BA75BAB1D5}"/>
+                <a16:creationId xmlns:a16="http://schemas.microsoft.com/office/drawing/2014/main" id="{4A7AC976-9046-4DF3-A95F-79BA75BAB1D5}"/>
               </a:ext>
             </a:extLst>
           </p:cNvPr>
@@ -10253,7 +10253,7 @@
           <p:cNvPr id="2" name="Title 1">
             <a:extLst>
               <a:ext uri="{FF2B5EF4-FFF2-40B4-BE49-F238E27FC236}">
-                <a16:creationId xmlns:a16="http://schemas.microsoft.com/office/drawing/2014/main" xmlns="" id="{12779484-1538-4F29-AA26-052B115474FF}"/>
+                <a16:creationId xmlns:a16="http://schemas.microsoft.com/office/drawing/2014/main" id="{12779484-1538-4F29-AA26-052B115474FF}"/>
               </a:ext>
             </a:extLst>
           </p:cNvPr>
@@ -10297,7 +10297,7 @@
           <p:cNvPr id="7" name="Content Placeholder 6" descr="See page 104 in book" title="See slide title">
             <a:extLst>
               <a:ext uri="{FF2B5EF4-FFF2-40B4-BE49-F238E27FC236}">
-                <a16:creationId xmlns:a16="http://schemas.microsoft.com/office/drawing/2014/main" xmlns="" id="{91D7A4C3-1782-4371-A953-5794FCFC683A}"/>
+                <a16:creationId xmlns:a16="http://schemas.microsoft.com/office/drawing/2014/main" id="{91D7A4C3-1782-4371-A953-5794FCFC683A}"/>
               </a:ext>
             </a:extLst>
           </p:cNvPr>
@@ -10335,7 +10335,7 @@
           <p:cNvPr id="4" name="Date Placeholder 3">
             <a:extLst>
               <a:ext uri="{FF2B5EF4-FFF2-40B4-BE49-F238E27FC236}">
-                <a16:creationId xmlns:a16="http://schemas.microsoft.com/office/drawing/2014/main" xmlns="" id="{7D32E6EB-D03B-43CB-B5A6-DAF2D59CB17D}"/>
+                <a16:creationId xmlns:a16="http://schemas.microsoft.com/office/drawing/2014/main" id="{7D32E6EB-D03B-43CB-B5A6-DAF2D59CB17D}"/>
               </a:ext>
             </a:extLst>
           </p:cNvPr>
@@ -10367,7 +10367,7 @@
           <p:cNvPr id="5" name="Footer Placeholder 4">
             <a:extLst>
               <a:ext uri="{FF2B5EF4-FFF2-40B4-BE49-F238E27FC236}">
-                <a16:creationId xmlns:a16="http://schemas.microsoft.com/office/drawing/2014/main" xmlns="" id="{22FCC0CD-B114-4F61-A269-52BEFD1288E9}"/>
+                <a16:creationId xmlns:a16="http://schemas.microsoft.com/office/drawing/2014/main" id="{22FCC0CD-B114-4F61-A269-52BEFD1288E9}"/>
               </a:ext>
             </a:extLst>
           </p:cNvPr>
@@ -10399,7 +10399,7 @@
           <p:cNvPr id="6" name="Slide Number Placeholder 5">
             <a:extLst>
               <a:ext uri="{FF2B5EF4-FFF2-40B4-BE49-F238E27FC236}">
-                <a16:creationId xmlns:a16="http://schemas.microsoft.com/office/drawing/2014/main" xmlns="" id="{CEC4F523-675D-4727-B062-8EBC9A5D6317}"/>
+                <a16:creationId xmlns:a16="http://schemas.microsoft.com/office/drawing/2014/main" id="{CEC4F523-675D-4727-B062-8EBC9A5D6317}"/>
               </a:ext>
             </a:extLst>
           </p:cNvPr>
@@ -10488,7 +10488,7 @@
           <p:cNvPr id="2" name="Title 1">
             <a:extLst>
               <a:ext uri="{FF2B5EF4-FFF2-40B4-BE49-F238E27FC236}">
-                <a16:creationId xmlns:a16="http://schemas.microsoft.com/office/drawing/2014/main" xmlns="" id="{C647A289-18D8-4682-8C8D-DFFC1FA21DB3}"/>
+                <a16:creationId xmlns:a16="http://schemas.microsoft.com/office/drawing/2014/main" id="{C647A289-18D8-4682-8C8D-DFFC1FA21DB3}"/>
               </a:ext>
             </a:extLst>
           </p:cNvPr>
@@ -10552,7 +10552,7 @@
           <p:cNvPr id="3" name="Text Placeholder 2">
             <a:extLst>
               <a:ext uri="{FF2B5EF4-FFF2-40B4-BE49-F238E27FC236}">
-                <a16:creationId xmlns:a16="http://schemas.microsoft.com/office/drawing/2014/main" xmlns="" id="{A1718A39-3DD9-48D4-9857-CDBB85ACEC25}"/>
+                <a16:creationId xmlns:a16="http://schemas.microsoft.com/office/drawing/2014/main" id="{A1718A39-3DD9-48D4-9857-CDBB85ACEC25}"/>
               </a:ext>
             </a:extLst>
           </p:cNvPr>
@@ -10620,7 +10620,7 @@
           <p:cNvPr id="4" name="Date Placeholder 3">
             <a:extLst>
               <a:ext uri="{FF2B5EF4-FFF2-40B4-BE49-F238E27FC236}">
-                <a16:creationId xmlns:a16="http://schemas.microsoft.com/office/drawing/2014/main" xmlns="" id="{27285A60-F14F-4AF9-9DC7-C9B6F91F1A59}"/>
+                <a16:creationId xmlns:a16="http://schemas.microsoft.com/office/drawing/2014/main" id="{27285A60-F14F-4AF9-9DC7-C9B6F91F1A59}"/>
               </a:ext>
             </a:extLst>
           </p:cNvPr>
@@ -10652,7 +10652,7 @@
           <p:cNvPr id="5" name="Footer Placeholder 4">
             <a:extLst>
               <a:ext uri="{FF2B5EF4-FFF2-40B4-BE49-F238E27FC236}">
-                <a16:creationId xmlns:a16="http://schemas.microsoft.com/office/drawing/2014/main" xmlns="" id="{BE1C2AAE-ABB3-40D0-BB0F-EA35A187FE87}"/>
+                <a16:creationId xmlns:a16="http://schemas.microsoft.com/office/drawing/2014/main" id="{BE1C2AAE-ABB3-40D0-BB0F-EA35A187FE87}"/>
               </a:ext>
             </a:extLst>
           </p:cNvPr>
@@ -10684,7 +10684,7 @@
           <p:cNvPr id="6" name="Slide Number Placeholder 5">
             <a:extLst>
               <a:ext uri="{FF2B5EF4-FFF2-40B4-BE49-F238E27FC236}">
-                <a16:creationId xmlns:a16="http://schemas.microsoft.com/office/drawing/2014/main" xmlns="" id="{9BCB1E3C-2D81-448E-B77B-E69BB57A9567}"/>
+                <a16:creationId xmlns:a16="http://schemas.microsoft.com/office/drawing/2014/main" id="{9BCB1E3C-2D81-448E-B77B-E69BB57A9567}"/>
               </a:ext>
             </a:extLst>
           </p:cNvPr>
@@ -10773,7 +10773,7 @@
           <p:cNvPr id="2" name="Title 1">
             <a:extLst>
               <a:ext uri="{FF2B5EF4-FFF2-40B4-BE49-F238E27FC236}">
-                <a16:creationId xmlns:a16="http://schemas.microsoft.com/office/drawing/2014/main" xmlns="" id="{17F1232A-A861-41A4-B8D8-955683636E23}"/>
+                <a16:creationId xmlns:a16="http://schemas.microsoft.com/office/drawing/2014/main" id="{17F1232A-A861-41A4-B8D8-955683636E23}"/>
               </a:ext>
             </a:extLst>
           </p:cNvPr>
@@ -10801,7 +10801,7 @@
           <p:cNvPr id="7" name="Content Placeholder 6" descr="See page 106 in book" title="See slide title">
             <a:extLst>
               <a:ext uri="{FF2B5EF4-FFF2-40B4-BE49-F238E27FC236}">
-                <a16:creationId xmlns:a16="http://schemas.microsoft.com/office/drawing/2014/main" xmlns="" id="{F5827522-1233-4872-90AF-DF293FADAB4D}"/>
+                <a16:creationId xmlns:a16="http://schemas.microsoft.com/office/drawing/2014/main" id="{F5827522-1233-4872-90AF-DF293FADAB4D}"/>
               </a:ext>
             </a:extLst>
           </p:cNvPr>
@@ -10833,7 +10833,7 @@
           <p:cNvPr id="4" name="Date Placeholder 3">
             <a:extLst>
               <a:ext uri="{FF2B5EF4-FFF2-40B4-BE49-F238E27FC236}">
-                <a16:creationId xmlns:a16="http://schemas.microsoft.com/office/drawing/2014/main" xmlns="" id="{3D302000-E3FF-4761-91B7-2E0A2F8763A8}"/>
+                <a16:creationId xmlns:a16="http://schemas.microsoft.com/office/drawing/2014/main" id="{3D302000-E3FF-4761-91B7-2E0A2F8763A8}"/>
               </a:ext>
             </a:extLst>
           </p:cNvPr>
@@ -10865,7 +10865,7 @@
           <p:cNvPr id="5" name="Footer Placeholder 4">
             <a:extLst>
               <a:ext uri="{FF2B5EF4-FFF2-40B4-BE49-F238E27FC236}">
-                <a16:creationId xmlns:a16="http://schemas.microsoft.com/office/drawing/2014/main" xmlns="" id="{D936A27D-46F2-4514-B7E6-3789EF3D19B5}"/>
+                <a16:creationId xmlns:a16="http://schemas.microsoft.com/office/drawing/2014/main" id="{D936A27D-46F2-4514-B7E6-3789EF3D19B5}"/>
               </a:ext>
             </a:extLst>
           </p:cNvPr>
@@ -10897,7 +10897,7 @@
           <p:cNvPr id="6" name="Slide Number Placeholder 5">
             <a:extLst>
               <a:ext uri="{FF2B5EF4-FFF2-40B4-BE49-F238E27FC236}">
-                <a16:creationId xmlns:a16="http://schemas.microsoft.com/office/drawing/2014/main" xmlns="" id="{E0506589-C6FB-46EA-8E28-B2E59CD3A513}"/>
+                <a16:creationId xmlns:a16="http://schemas.microsoft.com/office/drawing/2014/main" id="{E0506589-C6FB-46EA-8E28-B2E59CD3A513}"/>
               </a:ext>
             </a:extLst>
           </p:cNvPr>
@@ -10986,7 +10986,7 @@
           <p:cNvPr id="2" name="Title 1">
             <a:extLst>
               <a:ext uri="{FF2B5EF4-FFF2-40B4-BE49-F238E27FC236}">
-                <a16:creationId xmlns:a16="http://schemas.microsoft.com/office/drawing/2014/main" xmlns="" id="{1EAC1071-C825-442B-9FA0-B3D17DDD9B8A}"/>
+                <a16:creationId xmlns:a16="http://schemas.microsoft.com/office/drawing/2014/main" id="{1EAC1071-C825-442B-9FA0-B3D17DDD9B8A}"/>
               </a:ext>
             </a:extLst>
           </p:cNvPr>
@@ -11030,7 +11030,7 @@
           <p:cNvPr id="3" name="Text Placeholder 2">
             <a:extLst>
               <a:ext uri="{FF2B5EF4-FFF2-40B4-BE49-F238E27FC236}">
-                <a16:creationId xmlns:a16="http://schemas.microsoft.com/office/drawing/2014/main" xmlns="" id="{A3DA52AE-4B34-4082-A393-6670A0D82744}"/>
+                <a16:creationId xmlns:a16="http://schemas.microsoft.com/office/drawing/2014/main" id="{A3DA52AE-4B34-4082-A393-6670A0D82744}"/>
               </a:ext>
             </a:extLst>
           </p:cNvPr>
@@ -11327,7 +11327,7 @@
           <p:cNvPr id="4" name="Date Placeholder 3">
             <a:extLst>
               <a:ext uri="{FF2B5EF4-FFF2-40B4-BE49-F238E27FC236}">
-                <a16:creationId xmlns:a16="http://schemas.microsoft.com/office/drawing/2014/main" xmlns="" id="{51A1558E-D7BB-4E22-8703-22AF1A4ABDA4}"/>
+                <a16:creationId xmlns:a16="http://schemas.microsoft.com/office/drawing/2014/main" id="{51A1558E-D7BB-4E22-8703-22AF1A4ABDA4}"/>
               </a:ext>
             </a:extLst>
           </p:cNvPr>
@@ -11359,7 +11359,7 @@
           <p:cNvPr id="5" name="Footer Placeholder 4">
             <a:extLst>
               <a:ext uri="{FF2B5EF4-FFF2-40B4-BE49-F238E27FC236}">
-                <a16:creationId xmlns:a16="http://schemas.microsoft.com/office/drawing/2014/main" xmlns="" id="{D3238893-AD43-4DBC-824C-F6E4D02EBAB9}"/>
+                <a16:creationId xmlns:a16="http://schemas.microsoft.com/office/drawing/2014/main" id="{D3238893-AD43-4DBC-824C-F6E4D02EBAB9}"/>
               </a:ext>
             </a:extLst>
           </p:cNvPr>
@@ -11391,7 +11391,7 @@
           <p:cNvPr id="6" name="Slide Number Placeholder 5">
             <a:extLst>
               <a:ext uri="{FF2B5EF4-FFF2-40B4-BE49-F238E27FC236}">
-                <a16:creationId xmlns:a16="http://schemas.microsoft.com/office/drawing/2014/main" xmlns="" id="{BF06988C-D0A8-4BF4-BEC5-D201223A9936}"/>
+                <a16:creationId xmlns:a16="http://schemas.microsoft.com/office/drawing/2014/main" id="{BF06988C-D0A8-4BF4-BEC5-D201223A9936}"/>
               </a:ext>
             </a:extLst>
           </p:cNvPr>
@@ -11480,7 +11480,7 @@
           <p:cNvPr id="2" name="Title 1">
             <a:extLst>
               <a:ext uri="{FF2B5EF4-FFF2-40B4-BE49-F238E27FC236}">
-                <a16:creationId xmlns:a16="http://schemas.microsoft.com/office/drawing/2014/main" xmlns="" id="{AFAD9C96-AA18-4055-8F1B-DBF3E749E83F}"/>
+                <a16:creationId xmlns:a16="http://schemas.microsoft.com/office/drawing/2014/main" id="{AFAD9C96-AA18-4055-8F1B-DBF3E749E83F}"/>
               </a:ext>
             </a:extLst>
           </p:cNvPr>
@@ -11524,7 +11524,7 @@
           <p:cNvPr id="3" name="Text Placeholder 2">
             <a:extLst>
               <a:ext uri="{FF2B5EF4-FFF2-40B4-BE49-F238E27FC236}">
-                <a16:creationId xmlns:a16="http://schemas.microsoft.com/office/drawing/2014/main" xmlns="" id="{6F0E2D11-69CD-415A-8945-13D9E043245C}"/>
+                <a16:creationId xmlns:a16="http://schemas.microsoft.com/office/drawing/2014/main" id="{6F0E2D11-69CD-415A-8945-13D9E043245C}"/>
               </a:ext>
             </a:extLst>
           </p:cNvPr>
@@ -11886,7 +11886,7 @@
           <p:cNvPr id="4" name="Date Placeholder 3">
             <a:extLst>
               <a:ext uri="{FF2B5EF4-FFF2-40B4-BE49-F238E27FC236}">
-                <a16:creationId xmlns:a16="http://schemas.microsoft.com/office/drawing/2014/main" xmlns="" id="{58FC6AE1-9FE8-4E01-AB7D-BC6B011F9F58}"/>
+                <a16:creationId xmlns:a16="http://schemas.microsoft.com/office/drawing/2014/main" id="{58FC6AE1-9FE8-4E01-AB7D-BC6B011F9F58}"/>
               </a:ext>
             </a:extLst>
           </p:cNvPr>
@@ -11918,7 +11918,7 @@
           <p:cNvPr id="5" name="Footer Placeholder 4">
             <a:extLst>
               <a:ext uri="{FF2B5EF4-FFF2-40B4-BE49-F238E27FC236}">
-                <a16:creationId xmlns:a16="http://schemas.microsoft.com/office/drawing/2014/main" xmlns="" id="{C6B4823F-A60E-4CC5-9212-EA9B1BA8955B}"/>
+                <a16:creationId xmlns:a16="http://schemas.microsoft.com/office/drawing/2014/main" id="{C6B4823F-A60E-4CC5-9212-EA9B1BA8955B}"/>
               </a:ext>
             </a:extLst>
           </p:cNvPr>
@@ -11950,7 +11950,7 @@
           <p:cNvPr id="6" name="Slide Number Placeholder 5">
             <a:extLst>
               <a:ext uri="{FF2B5EF4-FFF2-40B4-BE49-F238E27FC236}">
-                <a16:creationId xmlns:a16="http://schemas.microsoft.com/office/drawing/2014/main" xmlns="" id="{F105BCF3-859C-44D7-923F-99C0DB17B9C9}"/>
+                <a16:creationId xmlns:a16="http://schemas.microsoft.com/office/drawing/2014/main" id="{F105BCF3-859C-44D7-923F-99C0DB17B9C9}"/>
               </a:ext>
             </a:extLst>
           </p:cNvPr>
@@ -12039,7 +12039,7 @@
           <p:cNvPr id="2" name="Title 1">
             <a:extLst>
               <a:ext uri="{FF2B5EF4-FFF2-40B4-BE49-F238E27FC236}">
-                <a16:creationId xmlns:a16="http://schemas.microsoft.com/office/drawing/2014/main" xmlns="" id="{16B4B494-9157-4F85-AA77-BB996C9D65BE}"/>
+                <a16:creationId xmlns:a16="http://schemas.microsoft.com/office/drawing/2014/main" id="{16B4B494-9157-4F85-AA77-BB996C9D65BE}"/>
               </a:ext>
             </a:extLst>
           </p:cNvPr>
@@ -12083,7 +12083,7 @@
           <p:cNvPr id="7" name="Content Placeholder 6" descr="See page 108 in book" title="See slide title">
             <a:extLst>
               <a:ext uri="{FF2B5EF4-FFF2-40B4-BE49-F238E27FC236}">
-                <a16:creationId xmlns:a16="http://schemas.microsoft.com/office/drawing/2014/main" xmlns="" id="{C2FBF46F-83AE-4CAD-92A2-73E342B8B7E4}"/>
+                <a16:creationId xmlns:a16="http://schemas.microsoft.com/office/drawing/2014/main" id="{C2FBF46F-83AE-4CAD-92A2-73E342B8B7E4}"/>
               </a:ext>
             </a:extLst>
           </p:cNvPr>
@@ -12121,7 +12121,7 @@
           <p:cNvPr id="4" name="Date Placeholder 3">
             <a:extLst>
               <a:ext uri="{FF2B5EF4-FFF2-40B4-BE49-F238E27FC236}">
-                <a16:creationId xmlns:a16="http://schemas.microsoft.com/office/drawing/2014/main" xmlns="" id="{74D32698-2580-44CD-91DA-DBC1A3277976}"/>
+                <a16:creationId xmlns:a16="http://schemas.microsoft.com/office/drawing/2014/main" id="{74D32698-2580-44CD-91DA-DBC1A3277976}"/>
               </a:ext>
             </a:extLst>
           </p:cNvPr>
@@ -12153,7 +12153,7 @@
           <p:cNvPr id="5" name="Footer Placeholder 4">
             <a:extLst>
               <a:ext uri="{FF2B5EF4-FFF2-40B4-BE49-F238E27FC236}">
-                <a16:creationId xmlns:a16="http://schemas.microsoft.com/office/drawing/2014/main" xmlns="" id="{E322F5D8-B772-4845-8F23-046288D25AC5}"/>
+                <a16:creationId xmlns:a16="http://schemas.microsoft.com/office/drawing/2014/main" id="{E322F5D8-B772-4845-8F23-046288D25AC5}"/>
               </a:ext>
             </a:extLst>
           </p:cNvPr>
@@ -12185,7 +12185,7 @@
           <p:cNvPr id="6" name="Slide Number Placeholder 5">
             <a:extLst>
               <a:ext uri="{FF2B5EF4-FFF2-40B4-BE49-F238E27FC236}">
-                <a16:creationId xmlns:a16="http://schemas.microsoft.com/office/drawing/2014/main" xmlns="" id="{5EE4AFBD-B75B-4B0E-B275-8CDC0DD4C1DD}"/>
+                <a16:creationId xmlns:a16="http://schemas.microsoft.com/office/drawing/2014/main" id="{5EE4AFBD-B75B-4B0E-B275-8CDC0DD4C1DD}"/>
               </a:ext>
             </a:extLst>
           </p:cNvPr>
@@ -12274,7 +12274,7 @@
           <p:cNvPr id="2" name="Title 1">
             <a:extLst>
               <a:ext uri="{FF2B5EF4-FFF2-40B4-BE49-F238E27FC236}">
-                <a16:creationId xmlns:a16="http://schemas.microsoft.com/office/drawing/2014/main" xmlns="" id="{EF682BD3-A38F-47CA-996D-EAD6CAF56DEF}"/>
+                <a16:creationId xmlns:a16="http://schemas.microsoft.com/office/drawing/2014/main" id="{EF682BD3-A38F-47CA-996D-EAD6CAF56DEF}"/>
               </a:ext>
             </a:extLst>
           </p:cNvPr>
@@ -12318,7 +12318,7 @@
           <p:cNvPr id="3" name="Text Placeholder 2">
             <a:extLst>
               <a:ext uri="{FF2B5EF4-FFF2-40B4-BE49-F238E27FC236}">
-                <a16:creationId xmlns:a16="http://schemas.microsoft.com/office/drawing/2014/main" xmlns="" id="{928416AF-2F10-4488-A8ED-DB2725213AAC}"/>
+                <a16:creationId xmlns:a16="http://schemas.microsoft.com/office/drawing/2014/main" id="{928416AF-2F10-4488-A8ED-DB2725213AAC}"/>
               </a:ext>
             </a:extLst>
           </p:cNvPr>
@@ -12546,7 +12546,7 @@
           <p:cNvPr id="4" name="Date Placeholder 3">
             <a:extLst>
               <a:ext uri="{FF2B5EF4-FFF2-40B4-BE49-F238E27FC236}">
-                <a16:creationId xmlns:a16="http://schemas.microsoft.com/office/drawing/2014/main" xmlns="" id="{8E6C08DA-A7F5-4F15-8A2A-CBC3D20B76B0}"/>
+                <a16:creationId xmlns:a16="http://schemas.microsoft.com/office/drawing/2014/main" id="{8E6C08DA-A7F5-4F15-8A2A-CBC3D20B76B0}"/>
               </a:ext>
             </a:extLst>
           </p:cNvPr>
@@ -12578,7 +12578,7 @@
           <p:cNvPr id="5" name="Footer Placeholder 4">
             <a:extLst>
               <a:ext uri="{FF2B5EF4-FFF2-40B4-BE49-F238E27FC236}">
-                <a16:creationId xmlns:a16="http://schemas.microsoft.com/office/drawing/2014/main" xmlns="" id="{EF7004BF-A35B-49EB-B5C3-14ACC9FCAE7D}"/>
+                <a16:creationId xmlns:a16="http://schemas.microsoft.com/office/drawing/2014/main" id="{EF7004BF-A35B-49EB-B5C3-14ACC9FCAE7D}"/>
               </a:ext>
             </a:extLst>
           </p:cNvPr>
@@ -12610,7 +12610,7 @@
           <p:cNvPr id="6" name="Slide Number Placeholder 5">
             <a:extLst>
               <a:ext uri="{FF2B5EF4-FFF2-40B4-BE49-F238E27FC236}">
-                <a16:creationId xmlns:a16="http://schemas.microsoft.com/office/drawing/2014/main" xmlns="" id="{F340B873-3D0A-408B-8D31-B275081D9123}"/>
+                <a16:creationId xmlns:a16="http://schemas.microsoft.com/office/drawing/2014/main" id="{F340B873-3D0A-408B-8D31-B275081D9123}"/>
               </a:ext>
             </a:extLst>
           </p:cNvPr>
@@ -12699,7 +12699,7 @@
           <p:cNvPr id="2" name="Title 1">
             <a:extLst>
               <a:ext uri="{FF2B5EF4-FFF2-40B4-BE49-F238E27FC236}">
-                <a16:creationId xmlns:a16="http://schemas.microsoft.com/office/drawing/2014/main" xmlns="" id="{24C5BFCF-F825-4A1C-BD91-C7A63F41C0EE}"/>
+                <a16:creationId xmlns:a16="http://schemas.microsoft.com/office/drawing/2014/main" id="{24C5BFCF-F825-4A1C-BD91-C7A63F41C0EE}"/>
               </a:ext>
             </a:extLst>
           </p:cNvPr>
@@ -12743,7 +12743,7 @@
           <p:cNvPr id="3" name="Text Placeholder 2">
             <a:extLst>
               <a:ext uri="{FF2B5EF4-FFF2-40B4-BE49-F238E27FC236}">
-                <a16:creationId xmlns:a16="http://schemas.microsoft.com/office/drawing/2014/main" xmlns="" id="{BE97B716-48BF-4540-B289-2E81FBEEED81}"/>
+                <a16:creationId xmlns:a16="http://schemas.microsoft.com/office/drawing/2014/main" id="{BE97B716-48BF-4540-B289-2E81FBEEED81}"/>
               </a:ext>
             </a:extLst>
           </p:cNvPr>
@@ -12787,7 +12787,7 @@
           <p:cNvPr id="4" name="Date Placeholder 3">
             <a:extLst>
               <a:ext uri="{FF2B5EF4-FFF2-40B4-BE49-F238E27FC236}">
-                <a16:creationId xmlns:a16="http://schemas.microsoft.com/office/drawing/2014/main" xmlns="" id="{FA2AB26C-C8EA-4E22-9041-93CD7CAA3FBC}"/>
+                <a16:creationId xmlns:a16="http://schemas.microsoft.com/office/drawing/2014/main" id="{FA2AB26C-C8EA-4E22-9041-93CD7CAA3FBC}"/>
               </a:ext>
             </a:extLst>
           </p:cNvPr>
@@ -12819,7 +12819,7 @@
           <p:cNvPr id="5" name="Footer Placeholder 4">
             <a:extLst>
               <a:ext uri="{FF2B5EF4-FFF2-40B4-BE49-F238E27FC236}">
-                <a16:creationId xmlns:a16="http://schemas.microsoft.com/office/drawing/2014/main" xmlns="" id="{925EC93C-1850-4B02-BCE7-FF3A646B6A71}"/>
+                <a16:creationId xmlns:a16="http://schemas.microsoft.com/office/drawing/2014/main" id="{925EC93C-1850-4B02-BCE7-FF3A646B6A71}"/>
               </a:ext>
             </a:extLst>
           </p:cNvPr>
@@ -12851,7 +12851,7 @@
           <p:cNvPr id="6" name="Slide Number Placeholder 5">
             <a:extLst>
               <a:ext uri="{FF2B5EF4-FFF2-40B4-BE49-F238E27FC236}">
-                <a16:creationId xmlns:a16="http://schemas.microsoft.com/office/drawing/2014/main" xmlns="" id="{078FCE10-6D77-4765-B46F-9CDB75C54983}"/>
+                <a16:creationId xmlns:a16="http://schemas.microsoft.com/office/drawing/2014/main" id="{078FCE10-6D77-4765-B46F-9CDB75C54983}"/>
               </a:ext>
             </a:extLst>
           </p:cNvPr>
@@ -12940,7 +12940,7 @@
           <p:cNvPr id="2" name="Title 1">
             <a:extLst>
               <a:ext uri="{FF2B5EF4-FFF2-40B4-BE49-F238E27FC236}">
-                <a16:creationId xmlns:a16="http://schemas.microsoft.com/office/drawing/2014/main" xmlns="" id="{4DFCF7F9-3A89-46FC-85DE-F8DC90A3612F}"/>
+                <a16:creationId xmlns:a16="http://schemas.microsoft.com/office/drawing/2014/main" id="{4DFCF7F9-3A89-46FC-85DE-F8DC90A3612F}"/>
               </a:ext>
             </a:extLst>
           </p:cNvPr>
@@ -12984,7 +12984,7 @@
           <p:cNvPr id="3" name="Text Placeholder 2">
             <a:extLst>
               <a:ext uri="{FF2B5EF4-FFF2-40B4-BE49-F238E27FC236}">
-                <a16:creationId xmlns:a16="http://schemas.microsoft.com/office/drawing/2014/main" xmlns="" id="{987B2DB6-31A4-456D-B737-B1977B8D41FE}"/>
+                <a16:creationId xmlns:a16="http://schemas.microsoft.com/office/drawing/2014/main" id="{987B2DB6-31A4-456D-B737-B1977B8D41FE}"/>
               </a:ext>
             </a:extLst>
           </p:cNvPr>
@@ -13372,7 +13372,7 @@
           <p:cNvPr id="4" name="Date Placeholder 3">
             <a:extLst>
               <a:ext uri="{FF2B5EF4-FFF2-40B4-BE49-F238E27FC236}">
-                <a16:creationId xmlns:a16="http://schemas.microsoft.com/office/drawing/2014/main" xmlns="" id="{9A882B0D-7AFF-4891-87D3-47BB76ECC39F}"/>
+                <a16:creationId xmlns:a16="http://schemas.microsoft.com/office/drawing/2014/main" id="{9A882B0D-7AFF-4891-87D3-47BB76ECC39F}"/>
               </a:ext>
             </a:extLst>
           </p:cNvPr>
@@ -13404,7 +13404,7 @@
           <p:cNvPr id="5" name="Footer Placeholder 4">
             <a:extLst>
               <a:ext uri="{FF2B5EF4-FFF2-40B4-BE49-F238E27FC236}">
-                <a16:creationId xmlns:a16="http://schemas.microsoft.com/office/drawing/2014/main" xmlns="" id="{58CC6BAA-2D71-4DEE-9230-FBC1B78F192C}"/>
+                <a16:creationId xmlns:a16="http://schemas.microsoft.com/office/drawing/2014/main" id="{58CC6BAA-2D71-4DEE-9230-FBC1B78F192C}"/>
               </a:ext>
             </a:extLst>
           </p:cNvPr>
@@ -13436,7 +13436,7 @@
           <p:cNvPr id="6" name="Slide Number Placeholder 5">
             <a:extLst>
               <a:ext uri="{FF2B5EF4-FFF2-40B4-BE49-F238E27FC236}">
-                <a16:creationId xmlns:a16="http://schemas.microsoft.com/office/drawing/2014/main" xmlns="" id="{C0F6496E-2AAF-4A03-8C85-1F1B6F7F713C}"/>
+                <a16:creationId xmlns:a16="http://schemas.microsoft.com/office/drawing/2014/main" id="{C0F6496E-2AAF-4A03-8C85-1F1B6F7F713C}"/>
               </a:ext>
             </a:extLst>
           </p:cNvPr>
@@ -13525,7 +13525,7 @@
           <p:cNvPr id="2" name="Title 1">
             <a:extLst>
               <a:ext uri="{FF2B5EF4-FFF2-40B4-BE49-F238E27FC236}">
-                <a16:creationId xmlns:a16="http://schemas.microsoft.com/office/drawing/2014/main" xmlns="" id="{96585086-0B0B-4FD9-8AEE-33FC9BCFB12C}"/>
+                <a16:creationId xmlns:a16="http://schemas.microsoft.com/office/drawing/2014/main" id="{96585086-0B0B-4FD9-8AEE-33FC9BCFB12C}"/>
               </a:ext>
             </a:extLst>
           </p:cNvPr>
@@ -13569,7 +13569,7 @@
           <p:cNvPr id="7" name="Content Placeholder 6" descr="See page 110 in book" title="See slide title">
             <a:extLst>
               <a:ext uri="{FF2B5EF4-FFF2-40B4-BE49-F238E27FC236}">
-                <a16:creationId xmlns:a16="http://schemas.microsoft.com/office/drawing/2014/main" xmlns="" id="{EB9CC82E-55A0-42F3-B7C8-01854A8BE35A}"/>
+                <a16:creationId xmlns:a16="http://schemas.microsoft.com/office/drawing/2014/main" id="{EB9CC82E-55A0-42F3-B7C8-01854A8BE35A}"/>
               </a:ext>
             </a:extLst>
           </p:cNvPr>
@@ -13607,7 +13607,7 @@
           <p:cNvPr id="4" name="Date Placeholder 3">
             <a:extLst>
               <a:ext uri="{FF2B5EF4-FFF2-40B4-BE49-F238E27FC236}">
-                <a16:creationId xmlns:a16="http://schemas.microsoft.com/office/drawing/2014/main" xmlns="" id="{95E2CCF1-C941-420E-AB0C-D54E1AEAE5D4}"/>
+                <a16:creationId xmlns:a16="http://schemas.microsoft.com/office/drawing/2014/main" id="{95E2CCF1-C941-420E-AB0C-D54E1AEAE5D4}"/>
               </a:ext>
             </a:extLst>
           </p:cNvPr>
@@ -13639,7 +13639,7 @@
           <p:cNvPr id="5" name="Footer Placeholder 4">
             <a:extLst>
               <a:ext uri="{FF2B5EF4-FFF2-40B4-BE49-F238E27FC236}">
-                <a16:creationId xmlns:a16="http://schemas.microsoft.com/office/drawing/2014/main" xmlns="" id="{EADF5E35-A814-433A-83AB-67FDDBC447F3}"/>
+                <a16:creationId xmlns:a16="http://schemas.microsoft.com/office/drawing/2014/main" id="{EADF5E35-A814-433A-83AB-67FDDBC447F3}"/>
               </a:ext>
             </a:extLst>
           </p:cNvPr>
@@ -13671,7 +13671,7 @@
           <p:cNvPr id="6" name="Slide Number Placeholder 5">
             <a:extLst>
               <a:ext uri="{FF2B5EF4-FFF2-40B4-BE49-F238E27FC236}">
-                <a16:creationId xmlns:a16="http://schemas.microsoft.com/office/drawing/2014/main" xmlns="" id="{F11141D0-3A2A-4AD4-9124-0415C8F47B98}"/>
+                <a16:creationId xmlns:a16="http://schemas.microsoft.com/office/drawing/2014/main" id="{F11141D0-3A2A-4AD4-9124-0415C8F47B98}"/>
               </a:ext>
             </a:extLst>
           </p:cNvPr>
@@ -13760,7 +13760,7 @@
           <p:cNvPr id="2" name="Title 1">
             <a:extLst>
               <a:ext uri="{FF2B5EF4-FFF2-40B4-BE49-F238E27FC236}">
-                <a16:creationId xmlns:a16="http://schemas.microsoft.com/office/drawing/2014/main" xmlns="" id="{03A30576-942F-4CE0-87A2-2BC9E2678565}"/>
+                <a16:creationId xmlns:a16="http://schemas.microsoft.com/office/drawing/2014/main" id="{03A30576-942F-4CE0-87A2-2BC9E2678565}"/>
               </a:ext>
             </a:extLst>
           </p:cNvPr>
@@ -13820,7 +13820,7 @@
           <p:cNvPr id="3" name="Text Placeholder 2">
             <a:extLst>
               <a:ext uri="{FF2B5EF4-FFF2-40B4-BE49-F238E27FC236}">
-                <a16:creationId xmlns:a16="http://schemas.microsoft.com/office/drawing/2014/main" xmlns="" id="{899BD5F3-6F4E-4B90-8A4A-21B1B40B672C}"/>
+                <a16:creationId xmlns:a16="http://schemas.microsoft.com/office/drawing/2014/main" id="{899BD5F3-6F4E-4B90-8A4A-21B1B40B672C}"/>
               </a:ext>
             </a:extLst>
           </p:cNvPr>
@@ -13885,70 +13885,22 @@
                 <a:ea typeface="Times New Roman" panose="02020603050405020304" pitchFamily="18" charset="0"/>
                 <a:cs typeface="Times New Roman" panose="02020603050405020304" pitchFamily="18" charset="0"/>
               </a:rPr>
-              <a:t>="</a:t>
-            </a:r>
-            <a:r>
-              <a:rPr lang="en-US" sz="1600" b="1" dirty="0" smtClean="0">
-                <a:latin typeface="Courier New" panose="02070309020205020404" pitchFamily="49" charset="0"/>
-                <a:ea typeface="Times New Roman" panose="02020603050405020304" pitchFamily="18" charset="0"/>
-                <a:cs typeface="Times New Roman" panose="02020603050405020304" pitchFamily="18" charset="0"/>
-              </a:rPr>
-              <a:t>images/murachlogo.gif"</a:t>
+              <a:t>="images/murachlogo.gif"</a:t>
             </a:r>
             <a:br>
-              <a:rPr lang="en-US" sz="1600" b="1" dirty="0" smtClean="0">
+              <a:rPr lang="en-US" sz="1600" b="1" dirty="0">
                 <a:latin typeface="Courier New" panose="02070309020205020404" pitchFamily="49" charset="0"/>
                 <a:ea typeface="Times New Roman" panose="02020603050405020304" pitchFamily="18" charset="0"/>
                 <a:cs typeface="Times New Roman" panose="02020603050405020304" pitchFamily="18" charset="0"/>
               </a:rPr>
             </a:br>
             <a:r>
-              <a:rPr lang="en-US" sz="1600" b="1" dirty="0" smtClean="0">
-                <a:latin typeface="Courier New" panose="02070309020205020404" pitchFamily="49" charset="0"/>
-                <a:ea typeface="Times New Roman" panose="02020603050405020304" pitchFamily="18" charset="0"/>
-                <a:cs typeface="Times New Roman" panose="02020603050405020304" pitchFamily="18" charset="0"/>
-              </a:rPr>
-              <a:t>     </a:t>
-            </a:r>
-            <a:r>
-              <a:rPr lang="en-US" sz="1600" b="1" dirty="0">
-                <a:latin typeface="Courier New" panose="02070309020205020404" pitchFamily="49" charset="0"/>
-                <a:ea typeface="Times New Roman" panose="02020603050405020304" pitchFamily="18" charset="0"/>
-                <a:cs typeface="Times New Roman" panose="02020603050405020304" pitchFamily="18" charset="0"/>
-              </a:rPr>
-              <a:t>alt</a:t>
-            </a:r>
-            <a:r>
-              <a:rPr lang="en-US" sz="1600" b="1" dirty="0" smtClean="0">
-                <a:latin typeface="Courier New" panose="02070309020205020404" pitchFamily="49" charset="0"/>
-                <a:ea typeface="Times New Roman" panose="02020603050405020304" pitchFamily="18" charset="0"/>
-                <a:cs typeface="Times New Roman" panose="02020603050405020304" pitchFamily="18" charset="0"/>
-              </a:rPr>
-              <a:t>="</a:t>
-            </a:r>
-            <a:r>
-              <a:rPr lang="en-US" sz="1600" b="1" dirty="0">
-                <a:latin typeface="Courier New" panose="02070309020205020404" pitchFamily="49" charset="0"/>
-                <a:ea typeface="Times New Roman" panose="02020603050405020304" pitchFamily="18" charset="0"/>
-                <a:cs typeface="Times New Roman" panose="02020603050405020304" pitchFamily="18" charset="0"/>
-              </a:rPr>
-              <a:t>Murach </a:t>
-            </a:r>
-            <a:r>
-              <a:rPr lang="en-US" sz="1600" b="1" dirty="0" smtClean="0">
-                <a:latin typeface="Courier New" panose="02070309020205020404" pitchFamily="49" charset="0"/>
-                <a:ea typeface="Times New Roman" panose="02020603050405020304" pitchFamily="18" charset="0"/>
-                <a:cs typeface="Times New Roman" panose="02020603050405020304" pitchFamily="18" charset="0"/>
-              </a:rPr>
-              <a:t>Logo" </a:t>
-            </a:r>
-            <a:r>
-              <a:rPr lang="en-US" sz="1600" b="1" dirty="0">
-                <a:latin typeface="Courier New" panose="02070309020205020404" pitchFamily="49" charset="0"/>
-                <a:ea typeface="Times New Roman" panose="02020603050405020304" pitchFamily="18" charset="0"/>
-                <a:cs typeface="Times New Roman" panose="02020603050405020304" pitchFamily="18" charset="0"/>
-              </a:rPr>
-              <a:t>height="75"&gt;</a:t>
+              <a:rPr lang="en-US" sz="1600" b="1" dirty="0">
+                <a:latin typeface="Courier New" panose="02070309020205020404" pitchFamily="49" charset="0"/>
+                <a:ea typeface="Times New Roman" panose="02020603050405020304" pitchFamily="18" charset="0"/>
+                <a:cs typeface="Times New Roman" panose="02020603050405020304" pitchFamily="18" charset="0"/>
+              </a:rPr>
+              <a:t>     alt="Murach Logo" height="75"&gt;</a:t>
             </a:r>
           </a:p>
           <a:p>
@@ -13990,7 +13942,7 @@
           <p:cNvPr id="4" name="Date Placeholder 3">
             <a:extLst>
               <a:ext uri="{FF2B5EF4-FFF2-40B4-BE49-F238E27FC236}">
-                <a16:creationId xmlns:a16="http://schemas.microsoft.com/office/drawing/2014/main" xmlns="" id="{D817267B-8F21-4DE9-A94C-B9FF4DBB2BF3}"/>
+                <a16:creationId xmlns:a16="http://schemas.microsoft.com/office/drawing/2014/main" id="{D817267B-8F21-4DE9-A94C-B9FF4DBB2BF3}"/>
               </a:ext>
             </a:extLst>
           </p:cNvPr>
@@ -14022,7 +13974,7 @@
           <p:cNvPr id="5" name="Footer Placeholder 4">
             <a:extLst>
               <a:ext uri="{FF2B5EF4-FFF2-40B4-BE49-F238E27FC236}">
-                <a16:creationId xmlns:a16="http://schemas.microsoft.com/office/drawing/2014/main" xmlns="" id="{B87A14B4-BBE6-4900-97D1-C917930C8509}"/>
+                <a16:creationId xmlns:a16="http://schemas.microsoft.com/office/drawing/2014/main" id="{B87A14B4-BBE6-4900-97D1-C917930C8509}"/>
               </a:ext>
             </a:extLst>
           </p:cNvPr>
@@ -14054,7 +14006,7 @@
           <p:cNvPr id="6" name="Slide Number Placeholder 5">
             <a:extLst>
               <a:ext uri="{FF2B5EF4-FFF2-40B4-BE49-F238E27FC236}">
-                <a16:creationId xmlns:a16="http://schemas.microsoft.com/office/drawing/2014/main" xmlns="" id="{A656742A-FF02-4F25-B511-F0DDB3AAA104}"/>
+                <a16:creationId xmlns:a16="http://schemas.microsoft.com/office/drawing/2014/main" id="{A656742A-FF02-4F25-B511-F0DDB3AAA104}"/>
               </a:ext>
             </a:extLst>
           </p:cNvPr>
@@ -14143,7 +14095,7 @@
           <p:cNvPr id="2" name="Title 1">
             <a:extLst>
               <a:ext uri="{FF2B5EF4-FFF2-40B4-BE49-F238E27FC236}">
-                <a16:creationId xmlns:a16="http://schemas.microsoft.com/office/drawing/2014/main" xmlns="" id="{823D4BA7-44FF-44D4-B219-EFAFD451DDFA}"/>
+                <a16:creationId xmlns:a16="http://schemas.microsoft.com/office/drawing/2014/main" id="{823D4BA7-44FF-44D4-B219-EFAFD451DDFA}"/>
               </a:ext>
             </a:extLst>
           </p:cNvPr>
@@ -14187,7 +14139,7 @@
           <p:cNvPr id="7" name="Content Placeholder 6" descr="See page 112 in book" title="See slide title">
             <a:extLst>
               <a:ext uri="{FF2B5EF4-FFF2-40B4-BE49-F238E27FC236}">
-                <a16:creationId xmlns:a16="http://schemas.microsoft.com/office/drawing/2014/main" xmlns="" id="{C7E044A2-62E8-46A6-9E7A-3CBC507E5B2F}"/>
+                <a16:creationId xmlns:a16="http://schemas.microsoft.com/office/drawing/2014/main" id="{C7E044A2-62E8-46A6-9E7A-3CBC507E5B2F}"/>
               </a:ext>
             </a:extLst>
           </p:cNvPr>
@@ -14230,7 +14182,7 @@
           <p:cNvPr id="4" name="Date Placeholder 3">
             <a:extLst>
               <a:ext uri="{FF2B5EF4-FFF2-40B4-BE49-F238E27FC236}">
-                <a16:creationId xmlns:a16="http://schemas.microsoft.com/office/drawing/2014/main" xmlns="" id="{518AC5E9-4E65-44E3-9803-614FA197DE4A}"/>
+                <a16:creationId xmlns:a16="http://schemas.microsoft.com/office/drawing/2014/main" id="{518AC5E9-4E65-44E3-9803-614FA197DE4A}"/>
               </a:ext>
             </a:extLst>
           </p:cNvPr>
@@ -14262,7 +14214,7 @@
           <p:cNvPr id="5" name="Footer Placeholder 4">
             <a:extLst>
               <a:ext uri="{FF2B5EF4-FFF2-40B4-BE49-F238E27FC236}">
-                <a16:creationId xmlns:a16="http://schemas.microsoft.com/office/drawing/2014/main" xmlns="" id="{D3BE16F8-55DF-481C-927F-ADC0EAB027B7}"/>
+                <a16:creationId xmlns:a16="http://schemas.microsoft.com/office/drawing/2014/main" id="{D3BE16F8-55DF-481C-927F-ADC0EAB027B7}"/>
               </a:ext>
             </a:extLst>
           </p:cNvPr>
@@ -14294,7 +14246,7 @@
           <p:cNvPr id="6" name="Slide Number Placeholder 5">
             <a:extLst>
               <a:ext uri="{FF2B5EF4-FFF2-40B4-BE49-F238E27FC236}">
-                <a16:creationId xmlns:a16="http://schemas.microsoft.com/office/drawing/2014/main" xmlns="" id="{1E918264-670D-45B5-8A1C-5F45CFD20392}"/>
+                <a16:creationId xmlns:a16="http://schemas.microsoft.com/office/drawing/2014/main" id="{1E918264-670D-45B5-8A1C-5F45CFD20392}"/>
               </a:ext>
             </a:extLst>
           </p:cNvPr>
@@ -14383,7 +14335,7 @@
           <p:cNvPr id="2" name="Title 1">
             <a:extLst>
               <a:ext uri="{FF2B5EF4-FFF2-40B4-BE49-F238E27FC236}">
-                <a16:creationId xmlns:a16="http://schemas.microsoft.com/office/drawing/2014/main" xmlns="" id="{BBA89D72-7249-486B-A902-C17EF472EBBD}"/>
+                <a16:creationId xmlns:a16="http://schemas.microsoft.com/office/drawing/2014/main" id="{BBA89D72-7249-486B-A902-C17EF472EBBD}"/>
               </a:ext>
             </a:extLst>
           </p:cNvPr>
@@ -14447,7 +14399,7 @@
           <p:cNvPr id="3" name="Text Placeholder 2">
             <a:extLst>
               <a:ext uri="{FF2B5EF4-FFF2-40B4-BE49-F238E27FC236}">
-                <a16:creationId xmlns:a16="http://schemas.microsoft.com/office/drawing/2014/main" xmlns="" id="{873DAC23-0020-437A-B5BD-7E68484E9FDF}"/>
+                <a16:creationId xmlns:a16="http://schemas.microsoft.com/office/drawing/2014/main" id="{873DAC23-0020-437A-B5BD-7E68484E9FDF}"/>
               </a:ext>
             </a:extLst>
           </p:cNvPr>
@@ -14534,7 +14486,7 @@
           <p:cNvPr id="4" name="Date Placeholder 3">
             <a:extLst>
               <a:ext uri="{FF2B5EF4-FFF2-40B4-BE49-F238E27FC236}">
-                <a16:creationId xmlns:a16="http://schemas.microsoft.com/office/drawing/2014/main" xmlns="" id="{73937045-6492-4102-AB43-1A919269E366}"/>
+                <a16:creationId xmlns:a16="http://schemas.microsoft.com/office/drawing/2014/main" id="{73937045-6492-4102-AB43-1A919269E366}"/>
               </a:ext>
             </a:extLst>
           </p:cNvPr>
@@ -14566,7 +14518,7 @@
           <p:cNvPr id="5" name="Footer Placeholder 4">
             <a:extLst>
               <a:ext uri="{FF2B5EF4-FFF2-40B4-BE49-F238E27FC236}">
-                <a16:creationId xmlns:a16="http://schemas.microsoft.com/office/drawing/2014/main" xmlns="" id="{114FB8E3-7270-4BA8-93F0-BEC6DC2BC86D}"/>
+                <a16:creationId xmlns:a16="http://schemas.microsoft.com/office/drawing/2014/main" id="{114FB8E3-7270-4BA8-93F0-BEC6DC2BC86D}"/>
               </a:ext>
             </a:extLst>
           </p:cNvPr>
@@ -14598,7 +14550,7 @@
           <p:cNvPr id="6" name="Slide Number Placeholder 5">
             <a:extLst>
               <a:ext uri="{FF2B5EF4-FFF2-40B4-BE49-F238E27FC236}">
-                <a16:creationId xmlns:a16="http://schemas.microsoft.com/office/drawing/2014/main" xmlns="" id="{2B728076-48B0-402A-ADE2-290AD38EF14E}"/>
+                <a16:creationId xmlns:a16="http://schemas.microsoft.com/office/drawing/2014/main" id="{2B728076-48B0-402A-ADE2-290AD38EF14E}"/>
               </a:ext>
             </a:extLst>
           </p:cNvPr>
@@ -14687,7 +14639,7 @@
           <p:cNvPr id="2" name="Title 1">
             <a:extLst>
               <a:ext uri="{FF2B5EF4-FFF2-40B4-BE49-F238E27FC236}">
-                <a16:creationId xmlns:a16="http://schemas.microsoft.com/office/drawing/2014/main" xmlns="" id="{A3611E81-8CE8-4194-AAE6-41E0F3C3EA41}"/>
+                <a16:creationId xmlns:a16="http://schemas.microsoft.com/office/drawing/2014/main" id="{A3611E81-8CE8-4194-AAE6-41E0F3C3EA41}"/>
               </a:ext>
             </a:extLst>
           </p:cNvPr>
@@ -14731,7 +14683,7 @@
           <p:cNvPr id="3" name="Text Placeholder 2">
             <a:extLst>
               <a:ext uri="{FF2B5EF4-FFF2-40B4-BE49-F238E27FC236}">
-                <a16:creationId xmlns:a16="http://schemas.microsoft.com/office/drawing/2014/main" xmlns="" id="{E2F068F7-67B2-4152-A389-62A0A60DAB6F}"/>
+                <a16:creationId xmlns:a16="http://schemas.microsoft.com/office/drawing/2014/main" id="{E2F068F7-67B2-4152-A389-62A0A60DAB6F}"/>
               </a:ext>
             </a:extLst>
           </p:cNvPr>
@@ -14794,7 +14746,7 @@
           <p:cNvPr id="4" name="Date Placeholder 3">
             <a:extLst>
               <a:ext uri="{FF2B5EF4-FFF2-40B4-BE49-F238E27FC236}">
-                <a16:creationId xmlns:a16="http://schemas.microsoft.com/office/drawing/2014/main" xmlns="" id="{E629A9E3-1B4E-4087-9879-3E554D407C45}"/>
+                <a16:creationId xmlns:a16="http://schemas.microsoft.com/office/drawing/2014/main" id="{E629A9E3-1B4E-4087-9879-3E554D407C45}"/>
               </a:ext>
             </a:extLst>
           </p:cNvPr>
@@ -14826,7 +14778,7 @@
           <p:cNvPr id="5" name="Footer Placeholder 4">
             <a:extLst>
               <a:ext uri="{FF2B5EF4-FFF2-40B4-BE49-F238E27FC236}">
-                <a16:creationId xmlns:a16="http://schemas.microsoft.com/office/drawing/2014/main" xmlns="" id="{A07FFBE5-DDE4-42E9-AB7F-F7E15206AFC4}"/>
+                <a16:creationId xmlns:a16="http://schemas.microsoft.com/office/drawing/2014/main" id="{A07FFBE5-DDE4-42E9-AB7F-F7E15206AFC4}"/>
               </a:ext>
             </a:extLst>
           </p:cNvPr>
@@ -14858,7 +14810,7 @@
           <p:cNvPr id="6" name="Slide Number Placeholder 5">
             <a:extLst>
               <a:ext uri="{FF2B5EF4-FFF2-40B4-BE49-F238E27FC236}">
-                <a16:creationId xmlns:a16="http://schemas.microsoft.com/office/drawing/2014/main" xmlns="" id="{3BE39C93-3D3F-4F45-AFEE-9AC678368E49}"/>
+                <a16:creationId xmlns:a16="http://schemas.microsoft.com/office/drawing/2014/main" id="{3BE39C93-3D3F-4F45-AFEE-9AC678368E49}"/>
               </a:ext>
             </a:extLst>
           </p:cNvPr>
@@ -14947,7 +14899,7 @@
           <p:cNvPr id="2" name="Title 1">
             <a:extLst>
               <a:ext uri="{FF2B5EF4-FFF2-40B4-BE49-F238E27FC236}">
-                <a16:creationId xmlns:a16="http://schemas.microsoft.com/office/drawing/2014/main" xmlns="" id="{05F79610-C8D3-42D8-A7F4-D5A0133026E3}"/>
+                <a16:creationId xmlns:a16="http://schemas.microsoft.com/office/drawing/2014/main" id="{05F79610-C8D3-42D8-A7F4-D5A0133026E3}"/>
               </a:ext>
             </a:extLst>
           </p:cNvPr>
@@ -14991,7 +14943,7 @@
           <p:cNvPr id="7" name="Content Placeholder 6" descr="See page 114 in book" title="See slide title">
             <a:extLst>
               <a:ext uri="{FF2B5EF4-FFF2-40B4-BE49-F238E27FC236}">
-                <a16:creationId xmlns:a16="http://schemas.microsoft.com/office/drawing/2014/main" xmlns="" id="{6668BD89-C932-4BE8-AA8F-D846E4D5B783}"/>
+                <a16:creationId xmlns:a16="http://schemas.microsoft.com/office/drawing/2014/main" id="{6668BD89-C932-4BE8-AA8F-D846E4D5B783}"/>
               </a:ext>
             </a:extLst>
           </p:cNvPr>
@@ -15029,7 +14981,7 @@
           <p:cNvPr id="4" name="Date Placeholder 3">
             <a:extLst>
               <a:ext uri="{FF2B5EF4-FFF2-40B4-BE49-F238E27FC236}">
-                <a16:creationId xmlns:a16="http://schemas.microsoft.com/office/drawing/2014/main" xmlns="" id="{F68A97F0-96FE-43CB-A2DF-D09971C6B9A5}"/>
+                <a16:creationId xmlns:a16="http://schemas.microsoft.com/office/drawing/2014/main" id="{F68A97F0-96FE-43CB-A2DF-D09971C6B9A5}"/>
               </a:ext>
             </a:extLst>
           </p:cNvPr>
@@ -15061,7 +15013,7 @@
           <p:cNvPr id="5" name="Footer Placeholder 4">
             <a:extLst>
               <a:ext uri="{FF2B5EF4-FFF2-40B4-BE49-F238E27FC236}">
-                <a16:creationId xmlns:a16="http://schemas.microsoft.com/office/drawing/2014/main" xmlns="" id="{56997C27-D931-4ADA-B5FC-C65F0ED440D3}"/>
+                <a16:creationId xmlns:a16="http://schemas.microsoft.com/office/drawing/2014/main" id="{56997C27-D931-4ADA-B5FC-C65F0ED440D3}"/>
               </a:ext>
             </a:extLst>
           </p:cNvPr>
@@ -15093,7 +15045,7 @@
           <p:cNvPr id="6" name="Slide Number Placeholder 5">
             <a:extLst>
               <a:ext uri="{FF2B5EF4-FFF2-40B4-BE49-F238E27FC236}">
-                <a16:creationId xmlns:a16="http://schemas.microsoft.com/office/drawing/2014/main" xmlns="" id="{997CAE5B-DDF7-4C89-A921-C7A582F510BD}"/>
+                <a16:creationId xmlns:a16="http://schemas.microsoft.com/office/drawing/2014/main" id="{997CAE5B-DDF7-4C89-A921-C7A582F510BD}"/>
               </a:ext>
             </a:extLst>
           </p:cNvPr>
@@ -15182,7 +15134,7 @@
           <p:cNvPr id="2" name="Title 1">
             <a:extLst>
               <a:ext uri="{FF2B5EF4-FFF2-40B4-BE49-F238E27FC236}">
-                <a16:creationId xmlns:a16="http://schemas.microsoft.com/office/drawing/2014/main" xmlns="" id="{44D14740-652A-43F8-9282-8FD6F330ABD4}"/>
+                <a16:creationId xmlns:a16="http://schemas.microsoft.com/office/drawing/2014/main" id="{44D14740-652A-43F8-9282-8FD6F330ABD4}"/>
               </a:ext>
             </a:extLst>
           </p:cNvPr>
@@ -15210,7 +15162,7 @@
           <p:cNvPr id="3" name="Text Placeholder 2">
             <a:extLst>
               <a:ext uri="{FF2B5EF4-FFF2-40B4-BE49-F238E27FC236}">
-                <a16:creationId xmlns:a16="http://schemas.microsoft.com/office/drawing/2014/main" xmlns="" id="{6CF48C05-E4DC-4D19-9F2C-F5072E7435CD}"/>
+                <a16:creationId xmlns:a16="http://schemas.microsoft.com/office/drawing/2014/main" id="{6CF48C05-E4DC-4D19-9F2C-F5072E7435CD}"/>
               </a:ext>
             </a:extLst>
           </p:cNvPr>
@@ -15844,7 +15796,7 @@
           <p:cNvPr id="4" name="Date Placeholder 3">
             <a:extLst>
               <a:ext uri="{FF2B5EF4-FFF2-40B4-BE49-F238E27FC236}">
-                <a16:creationId xmlns:a16="http://schemas.microsoft.com/office/drawing/2014/main" xmlns="" id="{C7FCCA83-BC42-4841-8204-BA6AB8533473}"/>
+                <a16:creationId xmlns:a16="http://schemas.microsoft.com/office/drawing/2014/main" id="{C7FCCA83-BC42-4841-8204-BA6AB8533473}"/>
               </a:ext>
             </a:extLst>
           </p:cNvPr>
@@ -15876,7 +15828,7 @@
           <p:cNvPr id="5" name="Footer Placeholder 4">
             <a:extLst>
               <a:ext uri="{FF2B5EF4-FFF2-40B4-BE49-F238E27FC236}">
-                <a16:creationId xmlns:a16="http://schemas.microsoft.com/office/drawing/2014/main" xmlns="" id="{3096801C-B542-444E-BDC3-007DD49BD167}"/>
+                <a16:creationId xmlns:a16="http://schemas.microsoft.com/office/drawing/2014/main" id="{3096801C-B542-444E-BDC3-007DD49BD167}"/>
               </a:ext>
             </a:extLst>
           </p:cNvPr>
@@ -15908,7 +15860,7 @@
           <p:cNvPr id="6" name="Slide Number Placeholder 5">
             <a:extLst>
               <a:ext uri="{FF2B5EF4-FFF2-40B4-BE49-F238E27FC236}">
-                <a16:creationId xmlns:a16="http://schemas.microsoft.com/office/drawing/2014/main" xmlns="" id="{250D32AF-E80B-435A-A2A4-FA32AFCDECD2}"/>
+                <a16:creationId xmlns:a16="http://schemas.microsoft.com/office/drawing/2014/main" id="{250D32AF-E80B-435A-A2A4-FA32AFCDECD2}"/>
               </a:ext>
             </a:extLst>
           </p:cNvPr>
@@ -15997,7 +15949,7 @@
           <p:cNvPr id="2" name="Title 1">
             <a:extLst>
               <a:ext uri="{FF2B5EF4-FFF2-40B4-BE49-F238E27FC236}">
-                <a16:creationId xmlns:a16="http://schemas.microsoft.com/office/drawing/2014/main" xmlns="" id="{CB62C143-04E8-4AD5-851E-BA9297FE67AD}"/>
+                <a16:creationId xmlns:a16="http://schemas.microsoft.com/office/drawing/2014/main" id="{CB62C143-04E8-4AD5-851E-BA9297FE67AD}"/>
               </a:ext>
             </a:extLst>
           </p:cNvPr>
@@ -16041,7 +15993,7 @@
           <p:cNvPr id="3" name="Text Placeholder 2">
             <a:extLst>
               <a:ext uri="{FF2B5EF4-FFF2-40B4-BE49-F238E27FC236}">
-                <a16:creationId xmlns:a16="http://schemas.microsoft.com/office/drawing/2014/main" xmlns="" id="{6B182B5D-EE0C-40E3-B5DE-F31E74A8DF2E}"/>
+                <a16:creationId xmlns:a16="http://schemas.microsoft.com/office/drawing/2014/main" id="{6B182B5D-EE0C-40E3-B5DE-F31E74A8DF2E}"/>
               </a:ext>
             </a:extLst>
           </p:cNvPr>
@@ -16068,17 +16020,6 @@
                 <a:tab pos="6515100" algn="l"/>
               </a:tabLst>
             </a:pPr>
-            <a:r>
-              <a:rPr lang="en-US" sz="1400" b="1" dirty="0" smtClean="0">
-                <a:highlight>
-                  <a:srgbClr val="FFFFFF"/>
-                </a:highlight>
-                <a:latin typeface="Courier New" panose="02070309020205020404" pitchFamily="49" charset="0"/>
-                <a:ea typeface="Times New Roman" panose="02020603050405020304" pitchFamily="18" charset="0"/>
-                <a:cs typeface="Times New Roman" panose="02020603050405020304" pitchFamily="18" charset="0"/>
-              </a:rPr>
-              <a:t>        &lt;</a:t>
-            </a:r>
             <a:r>
               <a:rPr lang="en-US" sz="1400" b="1" dirty="0">
                 <a:highlight>
@@ -16088,7 +16029,7 @@
                 <a:ea typeface="Times New Roman" panose="02020603050405020304" pitchFamily="18" charset="0"/>
                 <a:cs typeface="Times New Roman" panose="02020603050405020304" pitchFamily="18" charset="0"/>
               </a:rPr>
-              <a:t>main&gt;</a:t>
+              <a:t>        &lt;main&gt;</a:t>
             </a:r>
             <a:endParaRPr lang="en-US" sz="1400" b="1" dirty="0">
               <a:latin typeface="Courier New" panose="02070309020205020404" pitchFamily="49" charset="0"/>
@@ -16646,17 +16587,6 @@
               </a:tabLst>
             </a:pPr>
             <a:r>
-              <a:rPr lang="en-US" sz="1400" b="1" dirty="0" smtClean="0">
-                <a:highlight>
-                  <a:srgbClr val="FFFFFF"/>
-                </a:highlight>
-                <a:latin typeface="Courier New" panose="02070309020205020404" pitchFamily="49" charset="0"/>
-                <a:ea typeface="Times New Roman" panose="02020603050405020304" pitchFamily="18" charset="0"/>
-                <a:cs typeface="Times New Roman" panose="02020603050405020304" pitchFamily="18" charset="0"/>
-              </a:rPr>
-              <a:t>        </a:t>
-            </a:r>
-            <a:r>
               <a:rPr lang="en-US" sz="1400" b="1" dirty="0">
                 <a:highlight>
                   <a:srgbClr val="FFFFFF"/>
@@ -16665,7 +16595,7 @@
                 <a:ea typeface="Times New Roman" panose="02020603050405020304" pitchFamily="18" charset="0"/>
                 <a:cs typeface="Times New Roman" panose="02020603050405020304" pitchFamily="18" charset="0"/>
               </a:rPr>
-              <a:t>&lt;/main&gt;</a:t>
+              <a:t>        &lt;/main&gt;</a:t>
             </a:r>
             <a:endParaRPr lang="en-US" sz="1400" b="1" dirty="0">
               <a:latin typeface="Courier New" panose="02070309020205020404" pitchFamily="49" charset="0"/>
@@ -16878,7 +16808,7 @@
           <p:cNvPr id="4" name="Date Placeholder 3">
             <a:extLst>
               <a:ext uri="{FF2B5EF4-FFF2-40B4-BE49-F238E27FC236}">
-                <a16:creationId xmlns:a16="http://schemas.microsoft.com/office/drawing/2014/main" xmlns="" id="{3B39AEF3-BB30-4D74-95D1-807D96099F85}"/>
+                <a16:creationId xmlns:a16="http://schemas.microsoft.com/office/drawing/2014/main" id="{3B39AEF3-BB30-4D74-95D1-807D96099F85}"/>
               </a:ext>
             </a:extLst>
           </p:cNvPr>
@@ -16910,7 +16840,7 @@
           <p:cNvPr id="5" name="Footer Placeholder 4">
             <a:extLst>
               <a:ext uri="{FF2B5EF4-FFF2-40B4-BE49-F238E27FC236}">
-                <a16:creationId xmlns:a16="http://schemas.microsoft.com/office/drawing/2014/main" xmlns="" id="{4DBF63CF-D203-4D2B-B4A9-03F31D8402B3}"/>
+                <a16:creationId xmlns:a16="http://schemas.microsoft.com/office/drawing/2014/main" id="{4DBF63CF-D203-4D2B-B4A9-03F31D8402B3}"/>
               </a:ext>
             </a:extLst>
           </p:cNvPr>
@@ -16942,7 +16872,7 @@
           <p:cNvPr id="6" name="Slide Number Placeholder 5">
             <a:extLst>
               <a:ext uri="{FF2B5EF4-FFF2-40B4-BE49-F238E27FC236}">
-                <a16:creationId xmlns:a16="http://schemas.microsoft.com/office/drawing/2014/main" xmlns="" id="{A0F33140-1B58-49C0-A740-CB434456F97E}"/>
+                <a16:creationId xmlns:a16="http://schemas.microsoft.com/office/drawing/2014/main" id="{A0F33140-1B58-49C0-A740-CB434456F97E}"/>
               </a:ext>
             </a:extLst>
           </p:cNvPr>
@@ -17048,13 +16978,8 @@
           <a:p>
             <a:r>
               <a:rPr lang="en-US" dirty="0"/>
-              <a:t>A browser that shows the title and </a:t>
-            </a:r>
-            <a:r>
-              <a:rPr lang="en-US" dirty="0" smtClean="0"/>
-              <a:t>favicon</a:t>
-            </a:r>
-            <a:endParaRPr lang="en-US" dirty="0"/>
+              <a:t>A browser that shows the title and favicon</a:t>
+            </a:r>
           </a:p>
         </p:txBody>
       </p:sp>
@@ -17106,15 +17031,7 @@
           <a:p>
             <a:r>
               <a:rPr lang="en-US" dirty="0"/>
-              <a:t>A head section with a title and a </a:t>
-            </a:r>
-            <a:r>
-              <a:rPr lang="en-US" dirty="0" smtClean="0"/>
-              <a:t>link </a:t>
-            </a:r>
-            <a:r>
-              <a:rPr lang="en-US" dirty="0"/>
-              <a:t>to a favicon</a:t>
+              <a:t>A head section with a title and a link to a favicon</a:t>
             </a:r>
           </a:p>
           <a:p>
@@ -17256,7 +17173,7 @@
               <a:t>="shortcut icon" </a:t>
             </a:r>
             <a:r>
-              <a:rPr lang="en-US" sz="1800" b="1" dirty="0" err="1" smtClean="0">
+              <a:rPr lang="en-US" sz="1800" b="1" dirty="0" err="1">
                 <a:latin typeface="Courier New" panose="02070309020205020404" pitchFamily="49" charset="0"/>
                 <a:ea typeface="Times New Roman" panose="02020603050405020304" pitchFamily="18" charset="0"/>
                 <a:cs typeface="Times New Roman" panose="02020603050405020304" pitchFamily="18" charset="0"/>
@@ -17320,7 +17237,7 @@
               <a:defRPr/>
             </a:pPr>
             <a:r>
-              <a:rPr lang="en-US" smtClean="0"/>
+              <a:rPr lang="en-US"/>
               <a:t>Murach's HTML and CSS, 4th Edition</a:t>
             </a:r>
             <a:endParaRPr lang="en-US" dirty="0"/>
@@ -17346,7 +17263,7 @@
               <a:defRPr/>
             </a:pPr>
             <a:r>
-              <a:rPr lang="en-US" smtClean="0"/>
+              <a:rPr lang="en-US"/>
               <a:t>© 2018, Mike Murach &amp; Associates, Inc.</a:t>
             </a:r>
             <a:endParaRPr lang="en-US" dirty="0"/>
@@ -17371,14 +17288,14 @@
             <a:pPr>
               <a:defRPr/>
             </a:pPr>
-            <a:endParaRPr lang="en-US" smtClean="0"/>
-          </a:p>
-          <a:p>
-            <a:pPr>
-              <a:defRPr/>
-            </a:pPr>
-            <a:r>
-              <a:rPr lang="en-US" smtClean="0">
+            <a:endParaRPr lang="en-US"/>
+          </a:p>
+          <a:p>
+            <a:pPr>
+              <a:defRPr/>
+            </a:pPr>
+            <a:r>
+              <a:rPr lang="en-US">
                 <a:solidFill>
                   <a:schemeClr val="bg1"/>
                 </a:solidFill>
@@ -17439,7 +17356,7 @@
           <p:cNvPr id="2" name="Title 1">
             <a:extLst>
               <a:ext uri="{FF2B5EF4-FFF2-40B4-BE49-F238E27FC236}">
-                <a16:creationId xmlns:a16="http://schemas.microsoft.com/office/drawing/2014/main" xmlns="" id="{53F4D0C5-8485-4D94-A46F-9890EA2CBC82}"/>
+                <a16:creationId xmlns:a16="http://schemas.microsoft.com/office/drawing/2014/main" id="{53F4D0C5-8485-4D94-A46F-9890EA2CBC82}"/>
               </a:ext>
             </a:extLst>
           </p:cNvPr>
@@ -17485,7 +17402,7 @@
           <p:cNvPr id="7" name="Content Placeholder 6" descr="Read the exercise description" title="Web page screenshot">
             <a:extLst>
               <a:ext uri="{FF2B5EF4-FFF2-40B4-BE49-F238E27FC236}">
-                <a16:creationId xmlns:a16="http://schemas.microsoft.com/office/drawing/2014/main" xmlns="" id="{CF6C68A4-BF48-4AD3-8946-820B63558906}"/>
+                <a16:creationId xmlns:a16="http://schemas.microsoft.com/office/drawing/2014/main" id="{CF6C68A4-BF48-4AD3-8946-820B63558906}"/>
               </a:ext>
             </a:extLst>
           </p:cNvPr>
@@ -17523,7 +17440,7 @@
           <p:cNvPr id="4" name="Date Placeholder 3">
             <a:extLst>
               <a:ext uri="{FF2B5EF4-FFF2-40B4-BE49-F238E27FC236}">
-                <a16:creationId xmlns:a16="http://schemas.microsoft.com/office/drawing/2014/main" xmlns="" id="{DDFA85DD-927F-48C9-8C65-32E29CE48E0D}"/>
+                <a16:creationId xmlns:a16="http://schemas.microsoft.com/office/drawing/2014/main" id="{DDFA85DD-927F-48C9-8C65-32E29CE48E0D}"/>
               </a:ext>
             </a:extLst>
           </p:cNvPr>
@@ -17555,7 +17472,7 @@
           <p:cNvPr id="5" name="Footer Placeholder 4">
             <a:extLst>
               <a:ext uri="{FF2B5EF4-FFF2-40B4-BE49-F238E27FC236}">
-                <a16:creationId xmlns:a16="http://schemas.microsoft.com/office/drawing/2014/main" xmlns="" id="{82435DBB-3F26-4CD6-AEC0-0311855BD269}"/>
+                <a16:creationId xmlns:a16="http://schemas.microsoft.com/office/drawing/2014/main" id="{82435DBB-3F26-4CD6-AEC0-0311855BD269}"/>
               </a:ext>
             </a:extLst>
           </p:cNvPr>
@@ -17587,7 +17504,7 @@
           <p:cNvPr id="6" name="Slide Number Placeholder 5">
             <a:extLst>
               <a:ext uri="{FF2B5EF4-FFF2-40B4-BE49-F238E27FC236}">
-                <a16:creationId xmlns:a16="http://schemas.microsoft.com/office/drawing/2014/main" xmlns="" id="{178674B5-0AED-4F4C-B1BC-0AE9A9D59DDD}"/>
+                <a16:creationId xmlns:a16="http://schemas.microsoft.com/office/drawing/2014/main" id="{178674B5-0AED-4F4C-B1BC-0AE9A9D59DDD}"/>
               </a:ext>
             </a:extLst>
           </p:cNvPr>
@@ -17645,6 +17562,917 @@
     <p:extLst>
       <p:ext uri="{BB962C8B-B14F-4D97-AF65-F5344CB8AC3E}">
         <p14:creationId xmlns:p14="http://schemas.microsoft.com/office/powerpoint/2010/main" val="3226117102"/>
+      </p:ext>
+    </p:extLst>
+  </p:cSld>
+  <p:clrMapOvr>
+    <a:masterClrMapping/>
+  </p:clrMapOvr>
+</p:sld>
+</file>
+
+<file path=ppt/slides/slide41.xml><?xml version="1.0" encoding="utf-8"?>
+<p:sld xmlns:a="http://schemas.openxmlformats.org/drawingml/2006/main" xmlns:r="http://schemas.openxmlformats.org/officeDocument/2006/relationships" xmlns:p="http://schemas.openxmlformats.org/presentationml/2006/main">
+  <p:cSld>
+    <p:spTree>
+      <p:nvGrpSpPr>
+        <p:cNvPr id="1" name=""/>
+        <p:cNvGrpSpPr/>
+        <p:nvPr/>
+      </p:nvGrpSpPr>
+      <p:grpSpPr>
+        <a:xfrm>
+          <a:off x="0" y="0"/>
+          <a:ext cx="0" cy="0"/>
+          <a:chOff x="0" y="0"/>
+          <a:chExt cx="0" cy="0"/>
+        </a:xfrm>
+      </p:grpSpPr>
+      <p:sp>
+        <p:nvSpPr>
+          <p:cNvPr id="2" name="Title 1">
+            <a:extLst>
+              <a:ext uri="{FF2B5EF4-FFF2-40B4-BE49-F238E27FC236}">
+                <a16:creationId xmlns:a16="http://schemas.microsoft.com/office/drawing/2014/main" id="{8AEF6B11-D255-4AED-8314-E91903D34803}"/>
+              </a:ext>
+            </a:extLst>
+          </p:cNvPr>
+          <p:cNvSpPr>
+            <a:spLocks noGrp="1"/>
+          </p:cNvSpPr>
+          <p:nvPr>
+            <p:ph type="title"/>
+          </p:nvPr>
+        </p:nvSpPr>
+        <p:spPr/>
+        <p:txBody>
+          <a:bodyPr/>
+          <a:lstStyle/>
+          <a:p>
+            <a:pPr marL="0" marR="0">
+              <a:spcBef>
+                <a:spcPts val="0"/>
+              </a:spcBef>
+              <a:spcAft>
+                <a:spcPts val="600"/>
+              </a:spcAft>
+              <a:tabLst>
+                <a:tab pos="1371600" algn="l"/>
+              </a:tabLst>
+            </a:pPr>
+            <a:r>
+              <a:rPr lang="en-US" dirty="0">
+                <a:latin typeface="Arial" panose="020B0604020202020204" pitchFamily="34" charset="0"/>
+                <a:ea typeface="Times New Roman" panose="02020603050405020304" pitchFamily="18" charset="0"/>
+                <a:cs typeface="Times New Roman" panose="02020603050405020304" pitchFamily="18" charset="0"/>
+              </a:rPr>
+              <a:t>Objectives</a:t>
+            </a:r>
+            <a:endParaRPr lang="en-US" dirty="0"/>
+          </a:p>
+        </p:txBody>
+      </p:sp>
+      <p:sp>
+        <p:nvSpPr>
+          <p:cNvPr id="3" name="Text Placeholder 2">
+            <a:extLst>
+              <a:ext uri="{FF2B5EF4-FFF2-40B4-BE49-F238E27FC236}">
+                <a16:creationId xmlns:a16="http://schemas.microsoft.com/office/drawing/2014/main" id="{92F66457-C087-4BA0-A317-27F010E4724B}"/>
+              </a:ext>
+            </a:extLst>
+          </p:cNvPr>
+          <p:cNvSpPr>
+            <a:spLocks noGrp="1"/>
+          </p:cNvSpPr>
+          <p:nvPr>
+            <p:ph type="body" sz="quarter" idx="13"/>
+          </p:nvPr>
+        </p:nvSpPr>
+        <p:spPr>
+          <a:xfrm>
+            <a:off x="838200" y="1066800"/>
+            <a:ext cx="7467600" cy="4876800"/>
+          </a:xfrm>
+        </p:spPr>
+        <p:txBody>
+          <a:bodyPr/>
+          <a:lstStyle/>
+          <a:p>
+            <a:pPr>
+              <a:spcBef>
+                <a:spcPts val="1500"/>
+              </a:spcBef>
+              <a:spcAft>
+                <a:spcPts val="600"/>
+              </a:spcAft>
+              <a:tabLst>
+                <a:tab pos="1371600" algn="l"/>
+              </a:tabLst>
+            </a:pPr>
+            <a:r>
+              <a:rPr lang="en-US" b="1" dirty="0">
+                <a:latin typeface="Arial" panose="020B0604020202020204" pitchFamily="34" charset="0"/>
+                <a:ea typeface="Times New Roman" panose="02020603050405020304" pitchFamily="18" charset="0"/>
+                <a:cs typeface="Times New Roman" panose="02020603050405020304" pitchFamily="18" charset="0"/>
+              </a:rPr>
+              <a:t>Applied</a:t>
+            </a:r>
+          </a:p>
+          <a:p>
+            <a:pPr marL="342900" marR="274320" lvl="0" indent="-342900">
+              <a:spcBef>
+                <a:spcPts val="0"/>
+              </a:spcBef>
+              <a:spcAft>
+                <a:spcPts val="600"/>
+              </a:spcAft>
+              <a:buFont typeface="+mj-lt"/>
+              <a:buAutoNum type="arabicPeriod"/>
+              <a:tabLst>
+                <a:tab pos="347345" algn="l"/>
+                <a:tab pos="365760" algn="l"/>
+              </a:tabLst>
+            </a:pPr>
+            <a:r>
+              <a:rPr lang="en-US" sz="1800" spc="-10" dirty="0">
+                <a:latin typeface="Times New Roman" panose="02020603050405020304" pitchFamily="18" charset="0"/>
+                <a:ea typeface="Times New Roman" panose="02020603050405020304" pitchFamily="18" charset="0"/>
+              </a:rPr>
+              <a:t>Code a properly structured HTML web page using the HTML5 semantic elements and any of the other elements that are presented in this chapter.</a:t>
+            </a:r>
+          </a:p>
+          <a:p>
+            <a:pPr marL="342900" marR="274320" lvl="0" indent="-342900">
+              <a:spcBef>
+                <a:spcPts val="0"/>
+              </a:spcBef>
+              <a:spcAft>
+                <a:spcPts val="600"/>
+              </a:spcAft>
+              <a:buFont typeface="+mj-lt"/>
+              <a:buAutoNum type="arabicPeriod"/>
+              <a:tabLst>
+                <a:tab pos="347345" algn="l"/>
+                <a:tab pos="365760" algn="l"/>
+              </a:tabLst>
+            </a:pPr>
+            <a:r>
+              <a:rPr lang="en-US" sz="1800" spc="-10" dirty="0">
+                <a:latin typeface="Times New Roman" panose="02020603050405020304" pitchFamily="18" charset="0"/>
+                <a:ea typeface="Times New Roman" panose="02020603050405020304" pitchFamily="18" charset="0"/>
+              </a:rPr>
+              <a:t>Given the HTML for a web page, code a relative URL that refers to any file in the folder structure for the website.</a:t>
+            </a:r>
+          </a:p>
+          <a:p>
+            <a:pPr>
+              <a:spcBef>
+                <a:spcPts val="1500"/>
+              </a:spcBef>
+              <a:spcAft>
+                <a:spcPts val="600"/>
+              </a:spcAft>
+              <a:tabLst>
+                <a:tab pos="1371600" algn="l"/>
+              </a:tabLst>
+            </a:pPr>
+            <a:r>
+              <a:rPr lang="en-US" b="1" dirty="0">
+                <a:latin typeface="Arial" panose="020B0604020202020204" pitchFamily="34" charset="0"/>
+                <a:ea typeface="Times New Roman" panose="02020603050405020304" pitchFamily="18" charset="0"/>
+                <a:cs typeface="Times New Roman" panose="02020603050405020304" pitchFamily="18" charset="0"/>
+              </a:rPr>
+              <a:t>Knowledge</a:t>
+            </a:r>
+          </a:p>
+          <a:p>
+            <a:pPr marL="342900" marR="274320" lvl="0" indent="-342900">
+              <a:spcBef>
+                <a:spcPts val="0"/>
+              </a:spcBef>
+              <a:spcAft>
+                <a:spcPts val="600"/>
+              </a:spcAft>
+              <a:buFont typeface="+mj-lt"/>
+              <a:buAutoNum type="arabicPeriod"/>
+              <a:tabLst>
+                <a:tab pos="347345" algn="l"/>
+                <a:tab pos="365760" algn="l"/>
+              </a:tabLst>
+            </a:pPr>
+            <a:r>
+              <a:rPr lang="en-US" sz="1800" spc="-10" dirty="0">
+                <a:latin typeface="Times New Roman" panose="02020603050405020304" pitchFamily="18" charset="0"/>
+                <a:ea typeface="Times New Roman" panose="02020603050405020304" pitchFamily="18" charset="0"/>
+              </a:rPr>
+              <a:t>Describe the use of the title and meta elements in the head section of an HTML document.</a:t>
+            </a:r>
+          </a:p>
+          <a:p>
+            <a:pPr marL="342900" marR="274320" lvl="0" indent="-342900">
+              <a:spcBef>
+                <a:spcPts val="0"/>
+              </a:spcBef>
+              <a:spcAft>
+                <a:spcPts val="600"/>
+              </a:spcAft>
+              <a:buFont typeface="+mj-lt"/>
+              <a:buAutoNum type="arabicPeriod"/>
+              <a:tabLst>
+                <a:tab pos="347345" algn="l"/>
+                <a:tab pos="365760" algn="l"/>
+              </a:tabLst>
+            </a:pPr>
+            <a:r>
+              <a:rPr lang="en-US" sz="1800" spc="-10" dirty="0">
+                <a:latin typeface="Times New Roman" panose="02020603050405020304" pitchFamily="18" charset="0"/>
+                <a:ea typeface="Times New Roman" panose="02020603050405020304" pitchFamily="18" charset="0"/>
+              </a:rPr>
+              <a:t>Distinguish between a block element and an inline element.</a:t>
+            </a:r>
+          </a:p>
+          <a:p>
+            <a:pPr marL="342900" marR="274320" lvl="0" indent="-342900">
+              <a:spcBef>
+                <a:spcPts val="0"/>
+              </a:spcBef>
+              <a:spcAft>
+                <a:spcPts val="600"/>
+              </a:spcAft>
+              <a:buFont typeface="+mj-lt"/>
+              <a:buAutoNum type="arabicPeriod"/>
+              <a:tabLst>
+                <a:tab pos="347345" algn="l"/>
+                <a:tab pos="365760" algn="l"/>
+              </a:tabLst>
+            </a:pPr>
+            <a:r>
+              <a:rPr lang="en-US" sz="1800" spc="-10" dirty="0">
+                <a:latin typeface="Times New Roman" panose="02020603050405020304" pitchFamily="18" charset="0"/>
+                <a:ea typeface="Times New Roman" panose="02020603050405020304" pitchFamily="18" charset="0"/>
+              </a:rPr>
+              <a:t>Describe the use of these block elements: h1, h2, h3, and p.</a:t>
+            </a:r>
+          </a:p>
+          <a:p>
+            <a:pPr marL="342900" marR="274320" lvl="0" indent="-342900">
+              <a:spcBef>
+                <a:spcPts val="0"/>
+              </a:spcBef>
+              <a:spcAft>
+                <a:spcPts val="600"/>
+              </a:spcAft>
+              <a:buFont typeface="+mj-lt"/>
+              <a:buAutoNum type="arabicPeriod"/>
+              <a:tabLst>
+                <a:tab pos="347345" algn="l"/>
+                <a:tab pos="365760" algn="l"/>
+              </a:tabLst>
+            </a:pPr>
+            <a:r>
+              <a:rPr lang="en-US" sz="1800" spc="-10" dirty="0">
+                <a:latin typeface="Times New Roman" panose="02020603050405020304" pitchFamily="18" charset="0"/>
+                <a:ea typeface="Times New Roman" panose="02020603050405020304" pitchFamily="18" charset="0"/>
+              </a:rPr>
+              <a:t>Describe the use of these inline elements: </a:t>
+            </a:r>
+            <a:r>
+              <a:rPr lang="en-US" sz="1800" spc="-10" dirty="0" err="1">
+                <a:latin typeface="Times New Roman" panose="02020603050405020304" pitchFamily="18" charset="0"/>
+                <a:ea typeface="Times New Roman" panose="02020603050405020304" pitchFamily="18" charset="0"/>
+              </a:rPr>
+              <a:t>br</a:t>
+            </a:r>
+            <a:r>
+              <a:rPr lang="en-US" sz="1800" spc="-10" dirty="0">
+                <a:latin typeface="Times New Roman" panose="02020603050405020304" pitchFamily="18" charset="0"/>
+                <a:ea typeface="Times New Roman" panose="02020603050405020304" pitchFamily="18" charset="0"/>
+              </a:rPr>
+              <a:t>, </a:t>
+            </a:r>
+            <a:r>
+              <a:rPr lang="en-US" sz="1800" spc="-10" dirty="0" err="1">
+                <a:latin typeface="Times New Roman" panose="02020603050405020304" pitchFamily="18" charset="0"/>
+                <a:ea typeface="Times New Roman" panose="02020603050405020304" pitchFamily="18" charset="0"/>
+              </a:rPr>
+              <a:t>i</a:t>
+            </a:r>
+            <a:r>
+              <a:rPr lang="en-US" sz="1800" spc="-10" dirty="0">
+                <a:latin typeface="Times New Roman" panose="02020603050405020304" pitchFamily="18" charset="0"/>
+                <a:ea typeface="Times New Roman" panose="02020603050405020304" pitchFamily="18" charset="0"/>
+              </a:rPr>
+              <a:t>, b, sup, </a:t>
+            </a:r>
+            <a:r>
+              <a:rPr lang="en-US" sz="1800" spc="-10" dirty="0" err="1">
+                <a:latin typeface="Times New Roman" panose="02020603050405020304" pitchFamily="18" charset="0"/>
+                <a:ea typeface="Times New Roman" panose="02020603050405020304" pitchFamily="18" charset="0"/>
+              </a:rPr>
+              <a:t>em</a:t>
+            </a:r>
+            <a:r>
+              <a:rPr lang="en-US" sz="1800" spc="-10" dirty="0">
+                <a:latin typeface="Times New Roman" panose="02020603050405020304" pitchFamily="18" charset="0"/>
+                <a:ea typeface="Times New Roman" panose="02020603050405020304" pitchFamily="18" charset="0"/>
+              </a:rPr>
+              <a:t>, q, and strong.</a:t>
+            </a:r>
+          </a:p>
+          <a:p>
+            <a:pPr marL="342900" marR="274320" lvl="0" indent="-342900">
+              <a:spcBef>
+                <a:spcPts val="0"/>
+              </a:spcBef>
+              <a:spcAft>
+                <a:spcPts val="600"/>
+              </a:spcAft>
+              <a:buFont typeface="+mj-lt"/>
+              <a:buAutoNum type="arabicPeriod"/>
+              <a:tabLst>
+                <a:tab pos="347345" algn="l"/>
+                <a:tab pos="365760" algn="l"/>
+              </a:tabLst>
+            </a:pPr>
+            <a:r>
+              <a:rPr lang="en-US" sz="1800" spc="-10" dirty="0">
+                <a:latin typeface="Times New Roman" panose="02020603050405020304" pitchFamily="18" charset="0"/>
+                <a:ea typeface="Times New Roman" panose="02020603050405020304" pitchFamily="18" charset="0"/>
+              </a:rPr>
+              <a:t>Describe the use of character entities like &amp;</a:t>
+            </a:r>
+            <a:r>
+              <a:rPr lang="en-US" sz="1800" spc="-10" dirty="0" err="1">
+                <a:latin typeface="Times New Roman" panose="02020603050405020304" pitchFamily="18" charset="0"/>
+                <a:ea typeface="Times New Roman" panose="02020603050405020304" pitchFamily="18" charset="0"/>
+              </a:rPr>
+              <a:t>nbsp</a:t>
+            </a:r>
+            <a:r>
+              <a:rPr lang="en-US" sz="1800" spc="-10" dirty="0">
+                <a:latin typeface="Times New Roman" panose="02020603050405020304" pitchFamily="18" charset="0"/>
+                <a:ea typeface="Times New Roman" panose="02020603050405020304" pitchFamily="18" charset="0"/>
+              </a:rPr>
+              <a:t>; or &amp;copy;.</a:t>
+            </a:r>
+          </a:p>
+          <a:p>
+            <a:endParaRPr lang="en-US" dirty="0"/>
+          </a:p>
+        </p:txBody>
+      </p:sp>
+      <p:sp>
+        <p:nvSpPr>
+          <p:cNvPr id="4" name="Date Placeholder 3">
+            <a:extLst>
+              <a:ext uri="{FF2B5EF4-FFF2-40B4-BE49-F238E27FC236}">
+                <a16:creationId xmlns:a16="http://schemas.microsoft.com/office/drawing/2014/main" id="{AD6CC3F9-2412-4ED4-87F3-4E1B1F64C7BE}"/>
+              </a:ext>
+            </a:extLst>
+          </p:cNvPr>
+          <p:cNvSpPr>
+            <a:spLocks noGrp="1"/>
+          </p:cNvSpPr>
+          <p:nvPr>
+            <p:ph type="dt" sz="half" idx="14"/>
+          </p:nvPr>
+        </p:nvSpPr>
+        <p:spPr/>
+        <p:txBody>
+          <a:bodyPr/>
+          <a:lstStyle/>
+          <a:p>
+            <a:pPr>
+              <a:defRPr/>
+            </a:pPr>
+            <a:r>
+              <a:rPr lang="en-US"/>
+              <a:t>Murach's HTML and CSS, 4th Edition</a:t>
+            </a:r>
+            <a:endParaRPr lang="en-US" dirty="0"/>
+          </a:p>
+        </p:txBody>
+      </p:sp>
+      <p:sp>
+        <p:nvSpPr>
+          <p:cNvPr id="5" name="Footer Placeholder 4">
+            <a:extLst>
+              <a:ext uri="{FF2B5EF4-FFF2-40B4-BE49-F238E27FC236}">
+                <a16:creationId xmlns:a16="http://schemas.microsoft.com/office/drawing/2014/main" id="{9CA87419-98D4-4223-B03E-0A7C359BA4B6}"/>
+              </a:ext>
+            </a:extLst>
+          </p:cNvPr>
+          <p:cNvSpPr>
+            <a:spLocks noGrp="1"/>
+          </p:cNvSpPr>
+          <p:nvPr>
+            <p:ph type="ftr" sz="quarter" idx="15"/>
+          </p:nvPr>
+        </p:nvSpPr>
+        <p:spPr/>
+        <p:txBody>
+          <a:bodyPr/>
+          <a:lstStyle/>
+          <a:p>
+            <a:pPr>
+              <a:defRPr/>
+            </a:pPr>
+            <a:r>
+              <a:rPr lang="en-US"/>
+              <a:t>© 2018, Mike Murach &amp; Associates, Inc.</a:t>
+            </a:r>
+            <a:endParaRPr lang="en-US" dirty="0"/>
+          </a:p>
+        </p:txBody>
+      </p:sp>
+      <p:sp>
+        <p:nvSpPr>
+          <p:cNvPr id="6" name="Slide Number Placeholder 5">
+            <a:extLst>
+              <a:ext uri="{FF2B5EF4-FFF2-40B4-BE49-F238E27FC236}">
+                <a16:creationId xmlns:a16="http://schemas.microsoft.com/office/drawing/2014/main" id="{A4336018-BF6B-4974-A6E8-61371E9FEA6D}"/>
+              </a:ext>
+            </a:extLst>
+          </p:cNvPr>
+          <p:cNvSpPr>
+            <a:spLocks noGrp="1"/>
+          </p:cNvSpPr>
+          <p:nvPr>
+            <p:ph type="sldNum" sz="quarter" idx="16"/>
+          </p:nvPr>
+        </p:nvSpPr>
+        <p:spPr/>
+        <p:txBody>
+          <a:bodyPr/>
+          <a:lstStyle/>
+          <a:p>
+            <a:pPr algn="l">
+              <a:defRPr/>
+            </a:pPr>
+            <a:endParaRPr lang="en-US" sz="1400" dirty="0">
+              <a:latin typeface="Times New Roman"/>
+            </a:endParaRPr>
+          </a:p>
+          <a:p>
+            <a:pPr>
+              <a:defRPr/>
+            </a:pPr>
+            <a:r>
+              <a:rPr lang="en-US" dirty="0">
+                <a:solidFill>
+                  <a:schemeClr val="bg1"/>
+                </a:solidFill>
+              </a:rPr>
+              <a:t>C3, Slide </a:t>
+            </a:r>
+            <a:fld id="{BF5C1183-B085-4070-A402-C03A3F977D3D}" type="slidenum">
+              <a:rPr lang="en-US" smtClean="0">
+                <a:solidFill>
+                  <a:schemeClr val="bg1"/>
+                </a:solidFill>
+              </a:rPr>
+              <a:pPr>
+                <a:defRPr/>
+              </a:pPr>
+              <a:t>41</a:t>
+            </a:fld>
+            <a:endParaRPr lang="en-US" dirty="0">
+              <a:solidFill>
+                <a:schemeClr val="bg1"/>
+              </a:solidFill>
+            </a:endParaRPr>
+          </a:p>
+        </p:txBody>
+      </p:sp>
+    </p:spTree>
+    <p:extLst>
+      <p:ext uri="{BB962C8B-B14F-4D97-AF65-F5344CB8AC3E}">
+        <p14:creationId xmlns:p14="http://schemas.microsoft.com/office/powerpoint/2010/main" val="3819326993"/>
+      </p:ext>
+    </p:extLst>
+  </p:cSld>
+  <p:clrMapOvr>
+    <a:masterClrMapping/>
+  </p:clrMapOvr>
+</p:sld>
+</file>
+
+<file path=ppt/slides/slide42.xml><?xml version="1.0" encoding="utf-8"?>
+<p:sld xmlns:a="http://schemas.openxmlformats.org/drawingml/2006/main" xmlns:r="http://schemas.openxmlformats.org/officeDocument/2006/relationships" xmlns:p="http://schemas.openxmlformats.org/presentationml/2006/main">
+  <p:cSld>
+    <p:spTree>
+      <p:nvGrpSpPr>
+        <p:cNvPr id="1" name=""/>
+        <p:cNvGrpSpPr/>
+        <p:nvPr/>
+      </p:nvGrpSpPr>
+      <p:grpSpPr>
+        <a:xfrm>
+          <a:off x="0" y="0"/>
+          <a:ext cx="0" cy="0"/>
+          <a:chOff x="0" y="0"/>
+          <a:chExt cx="0" cy="0"/>
+        </a:xfrm>
+      </p:grpSpPr>
+      <p:sp>
+        <p:nvSpPr>
+          <p:cNvPr id="2" name="Title 1">
+            <a:extLst>
+              <a:ext uri="{FF2B5EF4-FFF2-40B4-BE49-F238E27FC236}">
+                <a16:creationId xmlns:a16="http://schemas.microsoft.com/office/drawing/2014/main" id="{EF682BD3-A38F-47CA-996D-EAD6CAF56DEF}"/>
+              </a:ext>
+            </a:extLst>
+          </p:cNvPr>
+          <p:cNvSpPr>
+            <a:spLocks noGrp="1"/>
+          </p:cNvSpPr>
+          <p:nvPr>
+            <p:ph type="title"/>
+          </p:nvPr>
+        </p:nvSpPr>
+        <p:spPr/>
+        <p:txBody>
+          <a:bodyPr/>
+          <a:lstStyle/>
+          <a:p>
+            <a:pPr marL="0" marR="0">
+              <a:spcBef>
+                <a:spcPts val="0"/>
+              </a:spcBef>
+              <a:spcAft>
+                <a:spcPts val="600"/>
+              </a:spcAft>
+              <a:tabLst>
+                <a:tab pos="1371600" algn="l"/>
+              </a:tabLst>
+            </a:pPr>
+            <a:r>
+              <a:rPr lang="en-US" dirty="0">
+                <a:latin typeface="Arial" panose="020B0604020202020204" pitchFamily="34" charset="0"/>
+                <a:ea typeface="Times New Roman" panose="02020603050405020304" pitchFamily="18" charset="0"/>
+                <a:cs typeface="Times New Roman" panose="02020603050405020304" pitchFamily="18" charset="0"/>
+              </a:rPr>
+              <a:t>Objectives (continued)</a:t>
+            </a:r>
+            <a:endParaRPr lang="en-US" dirty="0"/>
+          </a:p>
+        </p:txBody>
+      </p:sp>
+      <p:sp>
+        <p:nvSpPr>
+          <p:cNvPr id="3" name="Text Placeholder 2">
+            <a:extLst>
+              <a:ext uri="{FF2B5EF4-FFF2-40B4-BE49-F238E27FC236}">
+                <a16:creationId xmlns:a16="http://schemas.microsoft.com/office/drawing/2014/main" id="{928416AF-2F10-4488-A8ED-DB2725213AAC}"/>
+              </a:ext>
+            </a:extLst>
+          </p:cNvPr>
+          <p:cNvSpPr>
+            <a:spLocks noGrp="1"/>
+          </p:cNvSpPr>
+          <p:nvPr>
+            <p:ph type="body" sz="quarter" idx="13"/>
+          </p:nvPr>
+        </p:nvSpPr>
+        <p:spPr/>
+        <p:txBody>
+          <a:bodyPr/>
+          <a:lstStyle/>
+          <a:p>
+            <a:pPr marL="457200" marR="274320" lvl="0" indent="-457200">
+              <a:spcBef>
+                <a:spcPts val="0"/>
+              </a:spcBef>
+              <a:spcAft>
+                <a:spcPts val="600"/>
+              </a:spcAft>
+              <a:buFont typeface="+mj-lt"/>
+              <a:buAutoNum type="arabicPeriod" startAt="6"/>
+              <a:tabLst>
+                <a:tab pos="347345" algn="l"/>
+                <a:tab pos="365760" algn="l"/>
+              </a:tabLst>
+            </a:pPr>
+            <a:r>
+              <a:rPr lang="en-US" spc="-10" dirty="0">
+                <a:latin typeface="Times New Roman" panose="02020603050405020304" pitchFamily="18" charset="0"/>
+                <a:ea typeface="Times New Roman" panose="02020603050405020304" pitchFamily="18" charset="0"/>
+              </a:rPr>
+              <a:t>Describe the use of these core attributes: id, class, and title.</a:t>
+            </a:r>
+          </a:p>
+          <a:p>
+            <a:pPr marL="457200" marR="274320" lvl="0" indent="-457200">
+              <a:spcBef>
+                <a:spcPts val="0"/>
+              </a:spcBef>
+              <a:spcAft>
+                <a:spcPts val="600"/>
+              </a:spcAft>
+              <a:buFont typeface="+mj-lt"/>
+              <a:buAutoNum type="arabicPeriod" startAt="6"/>
+              <a:tabLst>
+                <a:tab pos="347345" algn="l"/>
+                <a:tab pos="365760" algn="l"/>
+              </a:tabLst>
+            </a:pPr>
+            <a:r>
+              <a:rPr lang="en-US" spc="-10" dirty="0">
+                <a:latin typeface="Times New Roman" panose="02020603050405020304" pitchFamily="18" charset="0"/>
+                <a:ea typeface="Times New Roman" panose="02020603050405020304" pitchFamily="18" charset="0"/>
+              </a:rPr>
+              <a:t>Describe the use of the div and span elements in the HTML for a modern website.</a:t>
+            </a:r>
+          </a:p>
+          <a:p>
+            <a:pPr marL="457200" marR="274320" lvl="0" indent="-457200">
+              <a:spcBef>
+                <a:spcPts val="0"/>
+              </a:spcBef>
+              <a:spcAft>
+                <a:spcPts val="600"/>
+              </a:spcAft>
+              <a:buFont typeface="+mj-lt"/>
+              <a:buAutoNum type="arabicPeriod" startAt="6"/>
+              <a:tabLst>
+                <a:tab pos="347345" algn="l"/>
+                <a:tab pos="365760" algn="l"/>
+              </a:tabLst>
+            </a:pPr>
+            <a:r>
+              <a:rPr lang="en-US" spc="-10" dirty="0">
+                <a:latin typeface="Times New Roman" panose="02020603050405020304" pitchFamily="18" charset="0"/>
+                <a:ea typeface="Times New Roman" panose="02020603050405020304" pitchFamily="18" charset="0"/>
+              </a:rPr>
+              <a:t>Describe the use of these HTML5 semantic elements: header, main, section, article, </a:t>
+            </a:r>
+            <a:r>
+              <a:rPr lang="en-US" spc="-10" dirty="0" err="1">
+                <a:latin typeface="Times New Roman" panose="02020603050405020304" pitchFamily="18" charset="0"/>
+                <a:ea typeface="Times New Roman" panose="02020603050405020304" pitchFamily="18" charset="0"/>
+              </a:rPr>
+              <a:t>nav</a:t>
+            </a:r>
+            <a:r>
+              <a:rPr lang="en-US" spc="-10" dirty="0">
+                <a:latin typeface="Times New Roman" panose="02020603050405020304" pitchFamily="18" charset="0"/>
+                <a:ea typeface="Times New Roman" panose="02020603050405020304" pitchFamily="18" charset="0"/>
+              </a:rPr>
+              <a:t>, aside, footer, and figure.</a:t>
+            </a:r>
+          </a:p>
+          <a:p>
+            <a:pPr marL="457200" marR="274320" lvl="0" indent="-457200">
+              <a:spcBef>
+                <a:spcPts val="0"/>
+              </a:spcBef>
+              <a:spcAft>
+                <a:spcPts val="600"/>
+              </a:spcAft>
+              <a:buFont typeface="+mj-lt"/>
+              <a:buAutoNum type="arabicPeriod" startAt="6"/>
+              <a:tabLst>
+                <a:tab pos="347345" algn="l"/>
+                <a:tab pos="365760" algn="l"/>
+              </a:tabLst>
+            </a:pPr>
+            <a:r>
+              <a:rPr lang="en-US" spc="-10" dirty="0">
+                <a:latin typeface="Times New Roman" panose="02020603050405020304" pitchFamily="18" charset="0"/>
+                <a:ea typeface="Times New Roman" panose="02020603050405020304" pitchFamily="18" charset="0"/>
+              </a:rPr>
+              <a:t>Distinguish between absolute and relative URLs, and distinguish between root-relative and document-relative paths</a:t>
+            </a:r>
+          </a:p>
+          <a:p>
+            <a:pPr marL="457200" marR="274320" lvl="0" indent="-457200">
+              <a:spcBef>
+                <a:spcPts val="0"/>
+              </a:spcBef>
+              <a:spcAft>
+                <a:spcPts val="600"/>
+              </a:spcAft>
+              <a:buFont typeface="+mj-lt"/>
+              <a:buAutoNum type="arabicPeriod" startAt="6"/>
+              <a:tabLst>
+                <a:tab pos="347345" algn="l"/>
+                <a:tab pos="365760" algn="l"/>
+              </a:tabLst>
+            </a:pPr>
+            <a:r>
+              <a:rPr lang="en-US" spc="-10" dirty="0">
+                <a:latin typeface="Times New Roman" panose="02020603050405020304" pitchFamily="18" charset="0"/>
+                <a:ea typeface="Times New Roman" panose="02020603050405020304" pitchFamily="18" charset="0"/>
+              </a:rPr>
+              <a:t>Distinguish between the use of the &lt;a&gt; element and the </a:t>
+            </a:r>
+            <a:r>
+              <a:rPr lang="en-US" spc="-10" dirty="0" err="1">
+                <a:latin typeface="Times New Roman" panose="02020603050405020304" pitchFamily="18" charset="0"/>
+                <a:ea typeface="Times New Roman" panose="02020603050405020304" pitchFamily="18" charset="0"/>
+              </a:rPr>
+              <a:t>img</a:t>
+            </a:r>
+            <a:r>
+              <a:rPr lang="en-US" spc="-10" dirty="0">
+                <a:latin typeface="Times New Roman" panose="02020603050405020304" pitchFamily="18" charset="0"/>
+                <a:ea typeface="Times New Roman" panose="02020603050405020304" pitchFamily="18" charset="0"/>
+              </a:rPr>
+              <a:t> element.</a:t>
+            </a:r>
+          </a:p>
+          <a:p>
+            <a:pPr marL="457200" marR="274320" lvl="0" indent="-457200">
+              <a:spcBef>
+                <a:spcPts val="0"/>
+              </a:spcBef>
+              <a:spcAft>
+                <a:spcPts val="600"/>
+              </a:spcAft>
+              <a:buFont typeface="+mj-lt"/>
+              <a:buAutoNum type="arabicPeriod" startAt="6"/>
+              <a:tabLst>
+                <a:tab pos="347345" algn="l"/>
+                <a:tab pos="365760" algn="l"/>
+              </a:tabLst>
+            </a:pPr>
+            <a:r>
+              <a:rPr lang="en-US" spc="-10" dirty="0">
+                <a:latin typeface="Times New Roman" panose="02020603050405020304" pitchFamily="18" charset="0"/>
+                <a:ea typeface="Times New Roman" panose="02020603050405020304" pitchFamily="18" charset="0"/>
+              </a:rPr>
+              <a:t>Describe the accessibility guidelines for &lt;a&gt; elements and </a:t>
+            </a:r>
+            <a:r>
+              <a:rPr lang="en-US" spc="-10" dirty="0" err="1">
+                <a:latin typeface="Times New Roman" panose="02020603050405020304" pitchFamily="18" charset="0"/>
+                <a:ea typeface="Times New Roman" panose="02020603050405020304" pitchFamily="18" charset="0"/>
+              </a:rPr>
+              <a:t>img</a:t>
+            </a:r>
+            <a:r>
+              <a:rPr lang="en-US" spc="-10" dirty="0">
+                <a:latin typeface="Times New Roman" panose="02020603050405020304" pitchFamily="18" charset="0"/>
+                <a:ea typeface="Times New Roman" panose="02020603050405020304" pitchFamily="18" charset="0"/>
+              </a:rPr>
+              <a:t> elements.</a:t>
+            </a:r>
+          </a:p>
+          <a:p>
+            <a:pPr marL="457200" marR="274320" lvl="0" indent="-457200">
+              <a:spcBef>
+                <a:spcPts val="0"/>
+              </a:spcBef>
+              <a:spcAft>
+                <a:spcPts val="600"/>
+              </a:spcAft>
+              <a:buFont typeface="+mj-lt"/>
+              <a:buAutoNum type="arabicPeriod" startAt="6"/>
+              <a:tabLst>
+                <a:tab pos="347345" algn="l"/>
+                <a:tab pos="365760" algn="l"/>
+              </a:tabLst>
+            </a:pPr>
+            <a:r>
+              <a:rPr lang="en-US" spc="-10" dirty="0">
+                <a:latin typeface="Times New Roman" panose="02020603050405020304" pitchFamily="18" charset="0"/>
+                <a:ea typeface="Times New Roman" panose="02020603050405020304" pitchFamily="18" charset="0"/>
+              </a:rPr>
+              <a:t>Describe the two types of lists that you can create with HTML.</a:t>
+            </a:r>
+          </a:p>
+          <a:p>
+            <a:endParaRPr lang="en-US" dirty="0"/>
+          </a:p>
+        </p:txBody>
+      </p:sp>
+      <p:sp>
+        <p:nvSpPr>
+          <p:cNvPr id="4" name="Date Placeholder 3">
+            <a:extLst>
+              <a:ext uri="{FF2B5EF4-FFF2-40B4-BE49-F238E27FC236}">
+                <a16:creationId xmlns:a16="http://schemas.microsoft.com/office/drawing/2014/main" id="{8E6C08DA-A7F5-4F15-8A2A-CBC3D20B76B0}"/>
+              </a:ext>
+            </a:extLst>
+          </p:cNvPr>
+          <p:cNvSpPr>
+            <a:spLocks noGrp="1"/>
+          </p:cNvSpPr>
+          <p:nvPr>
+            <p:ph type="dt" sz="half" idx="14"/>
+          </p:nvPr>
+        </p:nvSpPr>
+        <p:spPr/>
+        <p:txBody>
+          <a:bodyPr/>
+          <a:lstStyle/>
+          <a:p>
+            <a:pPr>
+              <a:defRPr/>
+            </a:pPr>
+            <a:r>
+              <a:rPr lang="en-US"/>
+              <a:t>Murach's HTML and CSS, 4th Edition</a:t>
+            </a:r>
+            <a:endParaRPr lang="en-US" dirty="0"/>
+          </a:p>
+        </p:txBody>
+      </p:sp>
+      <p:sp>
+        <p:nvSpPr>
+          <p:cNvPr id="5" name="Footer Placeholder 4">
+            <a:extLst>
+              <a:ext uri="{FF2B5EF4-FFF2-40B4-BE49-F238E27FC236}">
+                <a16:creationId xmlns:a16="http://schemas.microsoft.com/office/drawing/2014/main" id="{EF7004BF-A35B-49EB-B5C3-14ACC9FCAE7D}"/>
+              </a:ext>
+            </a:extLst>
+          </p:cNvPr>
+          <p:cNvSpPr>
+            <a:spLocks noGrp="1"/>
+          </p:cNvSpPr>
+          <p:nvPr>
+            <p:ph type="ftr" sz="quarter" idx="15"/>
+          </p:nvPr>
+        </p:nvSpPr>
+        <p:spPr/>
+        <p:txBody>
+          <a:bodyPr/>
+          <a:lstStyle/>
+          <a:p>
+            <a:pPr>
+              <a:defRPr/>
+            </a:pPr>
+            <a:r>
+              <a:rPr lang="en-US"/>
+              <a:t>© 2018, Mike Murach &amp; Associates, Inc.</a:t>
+            </a:r>
+            <a:endParaRPr lang="en-US" dirty="0"/>
+          </a:p>
+        </p:txBody>
+      </p:sp>
+      <p:sp>
+        <p:nvSpPr>
+          <p:cNvPr id="6" name="Slide Number Placeholder 5">
+            <a:extLst>
+              <a:ext uri="{FF2B5EF4-FFF2-40B4-BE49-F238E27FC236}">
+                <a16:creationId xmlns:a16="http://schemas.microsoft.com/office/drawing/2014/main" id="{F340B873-3D0A-408B-8D31-B275081D9123}"/>
+              </a:ext>
+            </a:extLst>
+          </p:cNvPr>
+          <p:cNvSpPr>
+            <a:spLocks noGrp="1"/>
+          </p:cNvSpPr>
+          <p:nvPr>
+            <p:ph type="sldNum" sz="quarter" idx="16"/>
+          </p:nvPr>
+        </p:nvSpPr>
+        <p:spPr/>
+        <p:txBody>
+          <a:bodyPr/>
+          <a:lstStyle/>
+          <a:p>
+            <a:pPr algn="l">
+              <a:defRPr/>
+            </a:pPr>
+            <a:endParaRPr lang="en-US" sz="1400" dirty="0">
+              <a:latin typeface="Times New Roman"/>
+            </a:endParaRPr>
+          </a:p>
+          <a:p>
+            <a:pPr>
+              <a:defRPr/>
+            </a:pPr>
+            <a:r>
+              <a:rPr lang="en-US" dirty="0">
+                <a:solidFill>
+                  <a:schemeClr val="bg1"/>
+                </a:solidFill>
+              </a:rPr>
+              <a:t>C3, Slide </a:t>
+            </a:r>
+            <a:fld id="{BF5C1183-B085-4070-A402-C03A3F977D3D}" type="slidenum">
+              <a:rPr lang="en-US" smtClean="0">
+                <a:solidFill>
+                  <a:schemeClr val="bg1"/>
+                </a:solidFill>
+              </a:rPr>
+              <a:pPr>
+                <a:defRPr/>
+              </a:pPr>
+              <a:t>42</a:t>
+            </a:fld>
+            <a:endParaRPr lang="en-US" dirty="0">
+              <a:solidFill>
+                <a:schemeClr val="bg1"/>
+              </a:solidFill>
+            </a:endParaRPr>
+          </a:p>
+        </p:txBody>
+      </p:sp>
+    </p:spTree>
+    <p:extLst>
+      <p:ext uri="{BB962C8B-B14F-4D97-AF65-F5344CB8AC3E}">
+        <p14:creationId xmlns:p14="http://schemas.microsoft.com/office/powerpoint/2010/main" val="1430745850"/>
       </p:ext>
     </p:extLst>
   </p:cSld>
@@ -17676,7 +18504,7 @@
           <p:cNvPr id="2" name="Title 1">
             <a:extLst>
               <a:ext uri="{FF2B5EF4-FFF2-40B4-BE49-F238E27FC236}">
-                <a16:creationId xmlns:a16="http://schemas.microsoft.com/office/drawing/2014/main" xmlns="" id="{E877AE74-1759-485D-B725-A2632B08B65D}"/>
+                <a16:creationId xmlns:a16="http://schemas.microsoft.com/office/drawing/2014/main" id="{E877AE74-1759-485D-B725-A2632B08B65D}"/>
               </a:ext>
             </a:extLst>
           </p:cNvPr>
@@ -17704,7 +18532,7 @@
           <p:cNvPr id="3" name="Text Placeholder 2">
             <a:extLst>
               <a:ext uri="{FF2B5EF4-FFF2-40B4-BE49-F238E27FC236}">
-                <a16:creationId xmlns:a16="http://schemas.microsoft.com/office/drawing/2014/main" xmlns="" id="{188B93ED-D7C4-40D8-9E3C-5717D50CC18C}"/>
+                <a16:creationId xmlns:a16="http://schemas.microsoft.com/office/drawing/2014/main" id="{188B93ED-D7C4-40D8-9E3C-5717D50CC18C}"/>
               </a:ext>
             </a:extLst>
           </p:cNvPr>
@@ -18038,7 +18866,7 @@
           <p:cNvPr id="4" name="Date Placeholder 3">
             <a:extLst>
               <a:ext uri="{FF2B5EF4-FFF2-40B4-BE49-F238E27FC236}">
-                <a16:creationId xmlns:a16="http://schemas.microsoft.com/office/drawing/2014/main" xmlns="" id="{5B55ED89-3048-4F1C-A6DC-5721E2198FAD}"/>
+                <a16:creationId xmlns:a16="http://schemas.microsoft.com/office/drawing/2014/main" id="{5B55ED89-3048-4F1C-A6DC-5721E2198FAD}"/>
               </a:ext>
             </a:extLst>
           </p:cNvPr>
@@ -18070,7 +18898,7 @@
           <p:cNvPr id="5" name="Footer Placeholder 4">
             <a:extLst>
               <a:ext uri="{FF2B5EF4-FFF2-40B4-BE49-F238E27FC236}">
-                <a16:creationId xmlns:a16="http://schemas.microsoft.com/office/drawing/2014/main" xmlns="" id="{C31DB08D-04AA-4D88-A2AB-978163DF9D0C}"/>
+                <a16:creationId xmlns:a16="http://schemas.microsoft.com/office/drawing/2014/main" id="{C31DB08D-04AA-4D88-A2AB-978163DF9D0C}"/>
               </a:ext>
             </a:extLst>
           </p:cNvPr>
@@ -18102,7 +18930,7 @@
           <p:cNvPr id="6" name="Slide Number Placeholder 5">
             <a:extLst>
               <a:ext uri="{FF2B5EF4-FFF2-40B4-BE49-F238E27FC236}">
-                <a16:creationId xmlns:a16="http://schemas.microsoft.com/office/drawing/2014/main" xmlns="" id="{DF2CA42C-8FD1-4735-8200-436CE3F6F2C0}"/>
+                <a16:creationId xmlns:a16="http://schemas.microsoft.com/office/drawing/2014/main" id="{DF2CA42C-8FD1-4735-8200-436CE3F6F2C0}"/>
               </a:ext>
             </a:extLst>
           </p:cNvPr>
@@ -18191,7 +19019,7 @@
           <p:cNvPr id="2" name="Title 1">
             <a:extLst>
               <a:ext uri="{FF2B5EF4-FFF2-40B4-BE49-F238E27FC236}">
-                <a16:creationId xmlns:a16="http://schemas.microsoft.com/office/drawing/2014/main" xmlns="" id="{2A7AD94F-CF76-4F7A-BD74-BCBEA91433E0}"/>
+                <a16:creationId xmlns:a16="http://schemas.microsoft.com/office/drawing/2014/main" id="{2A7AD94F-CF76-4F7A-BD74-BCBEA91433E0}"/>
               </a:ext>
             </a:extLst>
           </p:cNvPr>
@@ -18235,7 +19063,7 @@
           <p:cNvPr id="3" name="Text Placeholder 2">
             <a:extLst>
               <a:ext uri="{FF2B5EF4-FFF2-40B4-BE49-F238E27FC236}">
-                <a16:creationId xmlns:a16="http://schemas.microsoft.com/office/drawing/2014/main" xmlns="" id="{2DD7D647-6202-42B8-BF36-2E41D5D3BF87}"/>
+                <a16:creationId xmlns:a16="http://schemas.microsoft.com/office/drawing/2014/main" id="{2DD7D647-6202-42B8-BF36-2E41D5D3BF87}"/>
               </a:ext>
             </a:extLst>
           </p:cNvPr>
@@ -18374,7 +19202,7 @@
           <p:cNvPr id="4" name="Date Placeholder 3">
             <a:extLst>
               <a:ext uri="{FF2B5EF4-FFF2-40B4-BE49-F238E27FC236}">
-                <a16:creationId xmlns:a16="http://schemas.microsoft.com/office/drawing/2014/main" xmlns="" id="{0B86CD8F-EA62-4B27-82C3-B796A9168420}"/>
+                <a16:creationId xmlns:a16="http://schemas.microsoft.com/office/drawing/2014/main" id="{0B86CD8F-EA62-4B27-82C3-B796A9168420}"/>
               </a:ext>
             </a:extLst>
           </p:cNvPr>
@@ -18406,7 +19234,7 @@
           <p:cNvPr id="5" name="Footer Placeholder 4">
             <a:extLst>
               <a:ext uri="{FF2B5EF4-FFF2-40B4-BE49-F238E27FC236}">
-                <a16:creationId xmlns:a16="http://schemas.microsoft.com/office/drawing/2014/main" xmlns="" id="{E19369DD-6FD8-4A6F-B09B-E260C889CFB0}"/>
+                <a16:creationId xmlns:a16="http://schemas.microsoft.com/office/drawing/2014/main" id="{E19369DD-6FD8-4A6F-B09B-E260C889CFB0}"/>
               </a:ext>
             </a:extLst>
           </p:cNvPr>
@@ -18438,7 +19266,7 @@
           <p:cNvPr id="6" name="Slide Number Placeholder 5">
             <a:extLst>
               <a:ext uri="{FF2B5EF4-FFF2-40B4-BE49-F238E27FC236}">
-                <a16:creationId xmlns:a16="http://schemas.microsoft.com/office/drawing/2014/main" xmlns="" id="{2F4855FA-C84A-40E0-B2AF-036A8822693C}"/>
+                <a16:creationId xmlns:a16="http://schemas.microsoft.com/office/drawing/2014/main" id="{2F4855FA-C84A-40E0-B2AF-036A8822693C}"/>
               </a:ext>
             </a:extLst>
           </p:cNvPr>
@@ -18527,7 +19355,7 @@
           <p:cNvPr id="2" name="Title 1">
             <a:extLst>
               <a:ext uri="{FF2B5EF4-FFF2-40B4-BE49-F238E27FC236}">
-                <a16:creationId xmlns:a16="http://schemas.microsoft.com/office/drawing/2014/main" xmlns="" id="{9D504D6A-93E2-416C-A7B3-92802129ECCB}"/>
+                <a16:creationId xmlns:a16="http://schemas.microsoft.com/office/drawing/2014/main" id="{9D504D6A-93E2-416C-A7B3-92802129ECCB}"/>
               </a:ext>
             </a:extLst>
           </p:cNvPr>
@@ -18571,7 +19399,7 @@
           <p:cNvPr id="3" name="Text Placeholder 2">
             <a:extLst>
               <a:ext uri="{FF2B5EF4-FFF2-40B4-BE49-F238E27FC236}">
-                <a16:creationId xmlns:a16="http://schemas.microsoft.com/office/drawing/2014/main" xmlns="" id="{7762C80E-D5B7-487B-AC05-33FE615B21F3}"/>
+                <a16:creationId xmlns:a16="http://schemas.microsoft.com/office/drawing/2014/main" id="{7762C80E-D5B7-487B-AC05-33FE615B21F3}"/>
               </a:ext>
             </a:extLst>
           </p:cNvPr>
@@ -18691,7 +19519,7 @@
           <p:cNvPr id="4" name="Date Placeholder 3">
             <a:extLst>
               <a:ext uri="{FF2B5EF4-FFF2-40B4-BE49-F238E27FC236}">
-                <a16:creationId xmlns:a16="http://schemas.microsoft.com/office/drawing/2014/main" xmlns="" id="{55B6B4D0-6B18-4072-BC46-80FA7821F2DD}"/>
+                <a16:creationId xmlns:a16="http://schemas.microsoft.com/office/drawing/2014/main" id="{55B6B4D0-6B18-4072-BC46-80FA7821F2DD}"/>
               </a:ext>
             </a:extLst>
           </p:cNvPr>
@@ -18723,7 +19551,7 @@
           <p:cNvPr id="5" name="Footer Placeholder 4">
             <a:extLst>
               <a:ext uri="{FF2B5EF4-FFF2-40B4-BE49-F238E27FC236}">
-                <a16:creationId xmlns:a16="http://schemas.microsoft.com/office/drawing/2014/main" xmlns="" id="{8081FE7E-8147-4D71-9AD2-725D21B13E7B}"/>
+                <a16:creationId xmlns:a16="http://schemas.microsoft.com/office/drawing/2014/main" id="{8081FE7E-8147-4D71-9AD2-725D21B13E7B}"/>
               </a:ext>
             </a:extLst>
           </p:cNvPr>
@@ -18755,7 +19583,7 @@
           <p:cNvPr id="6" name="Slide Number Placeholder 5">
             <a:extLst>
               <a:ext uri="{FF2B5EF4-FFF2-40B4-BE49-F238E27FC236}">
-                <a16:creationId xmlns:a16="http://schemas.microsoft.com/office/drawing/2014/main" xmlns="" id="{046B1FA6-1F0F-4166-A58C-D328BC54825D}"/>
+                <a16:creationId xmlns:a16="http://schemas.microsoft.com/office/drawing/2014/main" id="{046B1FA6-1F0F-4166-A58C-D328BC54825D}"/>
               </a:ext>
             </a:extLst>
           </p:cNvPr>
@@ -18844,7 +19672,7 @@
           <p:cNvPr id="2" name="Title 1">
             <a:extLst>
               <a:ext uri="{FF2B5EF4-FFF2-40B4-BE49-F238E27FC236}">
-                <a16:creationId xmlns:a16="http://schemas.microsoft.com/office/drawing/2014/main" xmlns="" id="{98948C89-6C9E-44F8-BB7B-752A5CD04CEF}"/>
+                <a16:creationId xmlns:a16="http://schemas.microsoft.com/office/drawing/2014/main" id="{98948C89-6C9E-44F8-BB7B-752A5CD04CEF}"/>
               </a:ext>
             </a:extLst>
           </p:cNvPr>
@@ -18888,7 +19716,7 @@
           <p:cNvPr id="3" name="Text Placeholder 2">
             <a:extLst>
               <a:ext uri="{FF2B5EF4-FFF2-40B4-BE49-F238E27FC236}">
-                <a16:creationId xmlns:a16="http://schemas.microsoft.com/office/drawing/2014/main" xmlns="" id="{DA43D3D5-C3AB-431F-BC61-9A6B9E0BA37C}"/>
+                <a16:creationId xmlns:a16="http://schemas.microsoft.com/office/drawing/2014/main" id="{DA43D3D5-C3AB-431F-BC61-9A6B9E0BA37C}"/>
               </a:ext>
             </a:extLst>
           </p:cNvPr>
@@ -18988,7 +19816,7 @@
           <p:cNvPr id="4" name="Date Placeholder 3">
             <a:extLst>
               <a:ext uri="{FF2B5EF4-FFF2-40B4-BE49-F238E27FC236}">
-                <a16:creationId xmlns:a16="http://schemas.microsoft.com/office/drawing/2014/main" xmlns="" id="{44B2504A-E1B9-46AA-8BDE-73DBE9A0E497}"/>
+                <a16:creationId xmlns:a16="http://schemas.microsoft.com/office/drawing/2014/main" id="{44B2504A-E1B9-46AA-8BDE-73DBE9A0E497}"/>
               </a:ext>
             </a:extLst>
           </p:cNvPr>
@@ -19020,7 +19848,7 @@
           <p:cNvPr id="5" name="Footer Placeholder 4">
             <a:extLst>
               <a:ext uri="{FF2B5EF4-FFF2-40B4-BE49-F238E27FC236}">
-                <a16:creationId xmlns:a16="http://schemas.microsoft.com/office/drawing/2014/main" xmlns="" id="{E5156C5C-E879-448B-B881-26458CC6AAC4}"/>
+                <a16:creationId xmlns:a16="http://schemas.microsoft.com/office/drawing/2014/main" id="{E5156C5C-E879-448B-B881-26458CC6AAC4}"/>
               </a:ext>
             </a:extLst>
           </p:cNvPr>
@@ -19052,7 +19880,7 @@
           <p:cNvPr id="6" name="Slide Number Placeholder 5">
             <a:extLst>
               <a:ext uri="{FF2B5EF4-FFF2-40B4-BE49-F238E27FC236}">
-                <a16:creationId xmlns:a16="http://schemas.microsoft.com/office/drawing/2014/main" xmlns="" id="{93A331B6-CA64-4099-A97E-77CD187AE346}"/>
+                <a16:creationId xmlns:a16="http://schemas.microsoft.com/office/drawing/2014/main" id="{93A331B6-CA64-4099-A97E-77CD187AE346}"/>
               </a:ext>
             </a:extLst>
           </p:cNvPr>
@@ -19141,7 +19969,7 @@
           <p:cNvPr id="2" name="Title 1">
             <a:extLst>
               <a:ext uri="{FF2B5EF4-FFF2-40B4-BE49-F238E27FC236}">
-                <a16:creationId xmlns:a16="http://schemas.microsoft.com/office/drawing/2014/main" xmlns="" id="{63BACD08-A172-4D6A-9D7C-F793F1332E80}"/>
+                <a16:creationId xmlns:a16="http://schemas.microsoft.com/office/drawing/2014/main" id="{63BACD08-A172-4D6A-9D7C-F793F1332E80}"/>
               </a:ext>
             </a:extLst>
           </p:cNvPr>
@@ -19185,7 +20013,7 @@
           <p:cNvPr id="7" name="Content Placeholder 6" descr="See page 90 in book" title="See slide title">
             <a:extLst>
               <a:ext uri="{FF2B5EF4-FFF2-40B4-BE49-F238E27FC236}">
-                <a16:creationId xmlns:a16="http://schemas.microsoft.com/office/drawing/2014/main" xmlns="" id="{D33D583A-6052-40E5-825F-9FA92FD46F37}"/>
+                <a16:creationId xmlns:a16="http://schemas.microsoft.com/office/drawing/2014/main" id="{D33D583A-6052-40E5-825F-9FA92FD46F37}"/>
               </a:ext>
             </a:extLst>
           </p:cNvPr>
@@ -19228,7 +20056,7 @@
           <p:cNvPr id="4" name="Date Placeholder 3">
             <a:extLst>
               <a:ext uri="{FF2B5EF4-FFF2-40B4-BE49-F238E27FC236}">
-                <a16:creationId xmlns:a16="http://schemas.microsoft.com/office/drawing/2014/main" xmlns="" id="{F05191AB-855F-4FD2-935C-B86D2618E403}"/>
+                <a16:creationId xmlns:a16="http://schemas.microsoft.com/office/drawing/2014/main" id="{F05191AB-855F-4FD2-935C-B86D2618E403}"/>
               </a:ext>
             </a:extLst>
           </p:cNvPr>
@@ -19260,7 +20088,7 @@
           <p:cNvPr id="5" name="Footer Placeholder 4">
             <a:extLst>
               <a:ext uri="{FF2B5EF4-FFF2-40B4-BE49-F238E27FC236}">
-                <a16:creationId xmlns:a16="http://schemas.microsoft.com/office/drawing/2014/main" xmlns="" id="{D603B65C-2F38-46D5-BDDA-8B3C63C60C19}"/>
+                <a16:creationId xmlns:a16="http://schemas.microsoft.com/office/drawing/2014/main" id="{D603B65C-2F38-46D5-BDDA-8B3C63C60C19}"/>
               </a:ext>
             </a:extLst>
           </p:cNvPr>
@@ -19292,7 +20120,7 @@
           <p:cNvPr id="6" name="Slide Number Placeholder 5">
             <a:extLst>
               <a:ext uri="{FF2B5EF4-FFF2-40B4-BE49-F238E27FC236}">
-                <a16:creationId xmlns:a16="http://schemas.microsoft.com/office/drawing/2014/main" xmlns="" id="{EF000922-2ADA-4144-9C4D-9972B52EE742}"/>
+                <a16:creationId xmlns:a16="http://schemas.microsoft.com/office/drawing/2014/main" id="{EF000922-2ADA-4144-9C4D-9972B52EE742}"/>
               </a:ext>
             </a:extLst>
           </p:cNvPr>
